--- a/power-automate-for-excel-masterclass.pptx
+++ b/power-automate-for-excel-masterclass.pptx
@@ -5,7 +5,7 @@
     <p:sldMasterId id="2147483648" r:id="rId1"/>
   </p:sldMasterIdLst>
   <p:notesMasterIdLst>
-    <p:notesMasterId r:id="rId29"/>
+    <p:notesMasterId r:id="rId24"/>
   </p:notesMasterIdLst>
   <p:sldIdLst>
     <p:sldId id="256" r:id="rId2"/>
@@ -27,24 +27,19 @@
     <p:sldId id="405" r:id="rId18"/>
     <p:sldId id="440" r:id="rId19"/>
     <p:sldId id="441" r:id="rId20"/>
-    <p:sldId id="414" r:id="rId21"/>
-    <p:sldId id="439" r:id="rId22"/>
-    <p:sldId id="429" r:id="rId23"/>
-    <p:sldId id="438" r:id="rId24"/>
-    <p:sldId id="423" r:id="rId25"/>
-    <p:sldId id="442" r:id="rId26"/>
-    <p:sldId id="447" r:id="rId27"/>
-    <p:sldId id="427" r:id="rId28"/>
+    <p:sldId id="453" r:id="rId21"/>
+    <p:sldId id="414" r:id="rId22"/>
+    <p:sldId id="427" r:id="rId23"/>
   </p:sldIdLst>
   <p:sldSz cx="18288000" cy="10287000"/>
   <p:notesSz cx="6858000" cy="9144000"/>
   <p:embeddedFontLst>
     <p:embeddedFont>
       <p:font typeface="Consolas" panose="020B0609020204030204" pitchFamily="49" charset="0"/>
-      <p:regular r:id="rId30"/>
-      <p:bold r:id="rId31"/>
-      <p:italic r:id="rId32"/>
-      <p:boldItalic r:id="rId33"/>
+      <p:regular r:id="rId25"/>
+      <p:bold r:id="rId26"/>
+      <p:italic r:id="rId27"/>
+      <p:boldItalic r:id="rId28"/>
     </p:embeddedFont>
   </p:embeddedFontLst>
   <p:defaultTextStyle>
@@ -261,7 +256,7 @@
           <a:p>
             <a:fld id="{17A98A70-FA8C-4354-959C-C70678AC9BCF}" type="datetimeFigureOut">
               <a:rPr lang="en-US" smtClean="0"/>
-              <a:t>10/18/2024</a:t>
+              <a:t>10/20/2024</a:t>
             </a:fld>
             <a:endParaRPr lang="en-US"/>
           </a:p>
@@ -905,118 +900,10 @@
   <p:cSld>
     <p:spTree>
       <p:nvGrpSpPr>
-        <p:cNvPr id="1" name=""/>
-        <p:cNvGrpSpPr/>
-        <p:nvPr/>
-      </p:nvGrpSpPr>
-      <p:grpSpPr>
-        <a:xfrm>
-          <a:off x="0" y="0"/>
-          <a:ext cx="0" cy="0"/>
-          <a:chOff x="0" y="0"/>
-          <a:chExt cx="0" cy="0"/>
-        </a:xfrm>
-      </p:grpSpPr>
-      <p:sp>
-        <p:nvSpPr>
-          <p:cNvPr id="2" name="Slide Image Placeholder 1"/>
-          <p:cNvSpPr>
-            <a:spLocks noGrp="1" noRot="1" noChangeAspect="1"/>
-          </p:cNvSpPr>
-          <p:nvPr>
-            <p:ph type="sldImg"/>
-          </p:nvPr>
-        </p:nvSpPr>
-        <p:spPr/>
-      </p:sp>
-      <p:sp>
-        <p:nvSpPr>
-          <p:cNvPr id="3" name="Notes Placeholder 2"/>
-          <p:cNvSpPr>
-            <a:spLocks noGrp="1"/>
-          </p:cNvSpPr>
-          <p:nvPr>
-            <p:ph type="body" idx="1"/>
-          </p:nvPr>
-        </p:nvSpPr>
-        <p:spPr/>
-        <p:txBody>
-          <a:bodyPr/>
-          <a:lstStyle/>
-          <a:p>
-            <a:pPr marL="228600" indent="-228600">
-              <a:buAutoNum type="arabicPeriod"/>
-            </a:pPr>
-            <a:r>
-              <a:rPr lang="en-US" dirty="0"/>
-              <a:t>False!</a:t>
-            </a:r>
-          </a:p>
-          <a:p>
-            <a:pPr marL="228600" indent="-228600">
-              <a:buAutoNum type="arabicPeriod"/>
-            </a:pPr>
-            <a:r>
-              <a:rPr lang="en-US" dirty="0"/>
-              <a:t>Function, Formula, Function</a:t>
-            </a:r>
-          </a:p>
-          <a:p>
-            <a:pPr marL="228600" indent="-228600">
-              <a:buAutoNum type="arabicPeriod"/>
-            </a:pPr>
-            <a:r>
-              <a:rPr lang="en-US" dirty="0"/>
-              <a:t>Argument</a:t>
-            </a:r>
-          </a:p>
-        </p:txBody>
-      </p:sp>
-      <p:sp>
-        <p:nvSpPr>
-          <p:cNvPr id="4" name="Slide Number Placeholder 3"/>
-          <p:cNvSpPr>
-            <a:spLocks noGrp="1"/>
-          </p:cNvSpPr>
-          <p:nvPr>
-            <p:ph type="sldNum" sz="quarter" idx="5"/>
-          </p:nvPr>
-        </p:nvSpPr>
-        <p:spPr/>
-        <p:txBody>
-          <a:bodyPr/>
-          <a:lstStyle/>
-          <a:p>
-            <a:fld id="{1300335D-9F13-4B80-ADC5-B0EA3E10FF6B}" type="slidenum">
-              <a:rPr lang="en-US" smtClean="0"/>
-              <a:t>22</a:t>
-            </a:fld>
-            <a:endParaRPr lang="en-US"/>
-          </a:p>
-        </p:txBody>
-      </p:sp>
-    </p:spTree>
-    <p:extLst>
-      <p:ext uri="{BB962C8B-B14F-4D97-AF65-F5344CB8AC3E}">
-        <p14:creationId xmlns:p14="http://schemas.microsoft.com/office/powerpoint/2010/main" val="3649218007"/>
-      </p:ext>
-    </p:extLst>
-  </p:cSld>
-  <p:clrMapOvr>
-    <a:masterClrMapping/>
-  </p:clrMapOvr>
-</p:notes>
-</file>
-
-<file path=ppt/notesSlides/notesSlide13.xml><?xml version="1.0" encoding="utf-8"?>
-<p:notes xmlns:a="http://schemas.openxmlformats.org/drawingml/2006/main" xmlns:r="http://schemas.openxmlformats.org/officeDocument/2006/relationships" xmlns:p="http://schemas.openxmlformats.org/presentationml/2006/main">
-  <p:cSld>
-    <p:spTree>
-      <p:nvGrpSpPr>
         <p:cNvPr id="1" name="">
           <a:extLst>
             <a:ext uri="{FF2B5EF4-FFF2-40B4-BE49-F238E27FC236}">
-              <a16:creationId xmlns:a16="http://schemas.microsoft.com/office/drawing/2014/main" id="{BBD8E200-C5AA-9E88-FBF6-5E6FD4C97BC7}"/>
+              <a16:creationId xmlns:a16="http://schemas.microsoft.com/office/drawing/2014/main" id="{B21A017D-E5D7-97C7-031F-443D49081E5A}"/>
             </a:ext>
           </a:extLst>
         </p:cNvPr>
@@ -1036,7 +923,7 @@
           <p:cNvPr id="2" name="Slide Image Placeholder 1">
             <a:extLst>
               <a:ext uri="{FF2B5EF4-FFF2-40B4-BE49-F238E27FC236}">
-                <a16:creationId xmlns:a16="http://schemas.microsoft.com/office/drawing/2014/main" id="{5D03B2D3-5FEC-6EEE-F903-BC08550BC45F}"/>
+                <a16:creationId xmlns:a16="http://schemas.microsoft.com/office/drawing/2014/main" id="{ACA1095C-0A5C-7E2B-51A8-B22453EFF84C}"/>
               </a:ext>
             </a:extLst>
           </p:cNvPr>
@@ -1054,7 +941,7 @@
           <p:cNvPr id="3" name="Notes Placeholder 2">
             <a:extLst>
               <a:ext uri="{FF2B5EF4-FFF2-40B4-BE49-F238E27FC236}">
-                <a16:creationId xmlns:a16="http://schemas.microsoft.com/office/drawing/2014/main" id="{5DE07FE9-2C3A-87EB-D9BD-B26E4A8D5F9F}"/>
+                <a16:creationId xmlns:a16="http://schemas.microsoft.com/office/drawing/2014/main" id="{186CF33D-C549-8AE4-8A27-1830BD0C6976}"/>
               </a:ext>
             </a:extLst>
           </p:cNvPr>
@@ -1103,7 +990,7 @@
           <p:cNvPr id="4" name="Slide Number Placeholder 3">
             <a:extLst>
               <a:ext uri="{FF2B5EF4-FFF2-40B4-BE49-F238E27FC236}">
-                <a16:creationId xmlns:a16="http://schemas.microsoft.com/office/drawing/2014/main" id="{35937819-73EF-0783-2AFD-E9F05CF0BAE4}"/>
+                <a16:creationId xmlns:a16="http://schemas.microsoft.com/office/drawing/2014/main" id="{06EEAFF3-AE43-8989-34FB-BF5295BDF66E}"/>
               </a:ext>
             </a:extLst>
           </p:cNvPr>
@@ -1121,7 +1008,7 @@
           <a:p>
             <a:fld id="{1300335D-9F13-4B80-ADC5-B0EA3E10FF6B}" type="slidenum">
               <a:rPr lang="en-US" smtClean="0"/>
-              <a:t>23</a:t>
+              <a:t>20</a:t>
             </a:fld>
             <a:endParaRPr lang="en-US"/>
           </a:p>
@@ -1130,271 +1017,7 @@
     </p:spTree>
     <p:extLst>
       <p:ext uri="{BB962C8B-B14F-4D97-AF65-F5344CB8AC3E}">
-        <p14:creationId xmlns:p14="http://schemas.microsoft.com/office/powerpoint/2010/main" val="550071627"/>
-      </p:ext>
-    </p:extLst>
-  </p:cSld>
-  <p:clrMapOvr>
-    <a:masterClrMapping/>
-  </p:clrMapOvr>
-</p:notes>
-</file>
-
-<file path=ppt/notesSlides/notesSlide14.xml><?xml version="1.0" encoding="utf-8"?>
-<p:notes xmlns:a="http://schemas.openxmlformats.org/drawingml/2006/main" xmlns:r="http://schemas.openxmlformats.org/officeDocument/2006/relationships" xmlns:p="http://schemas.openxmlformats.org/presentationml/2006/main">
-  <p:cSld>
-    <p:spTree>
-      <p:nvGrpSpPr>
-        <p:cNvPr id="1" name="">
-          <a:extLst>
-            <a:ext uri="{FF2B5EF4-FFF2-40B4-BE49-F238E27FC236}">
-              <a16:creationId xmlns:a16="http://schemas.microsoft.com/office/drawing/2014/main" id="{0661BC68-0174-F8C0-C50A-CBF6F62B28EC}"/>
-            </a:ext>
-          </a:extLst>
-        </p:cNvPr>
-        <p:cNvGrpSpPr/>
-        <p:nvPr/>
-      </p:nvGrpSpPr>
-      <p:grpSpPr>
-        <a:xfrm>
-          <a:off x="0" y="0"/>
-          <a:ext cx="0" cy="0"/>
-          <a:chOff x="0" y="0"/>
-          <a:chExt cx="0" cy="0"/>
-        </a:xfrm>
-      </p:grpSpPr>
-      <p:sp>
-        <p:nvSpPr>
-          <p:cNvPr id="2" name="Slide Image Placeholder 1">
-            <a:extLst>
-              <a:ext uri="{FF2B5EF4-FFF2-40B4-BE49-F238E27FC236}">
-                <a16:creationId xmlns:a16="http://schemas.microsoft.com/office/drawing/2014/main" id="{146C854B-CF29-7BDD-94FD-114500FBA305}"/>
-              </a:ext>
-            </a:extLst>
-          </p:cNvPr>
-          <p:cNvSpPr>
-            <a:spLocks noGrp="1" noRot="1" noChangeAspect="1"/>
-          </p:cNvSpPr>
-          <p:nvPr>
-            <p:ph type="sldImg"/>
-          </p:nvPr>
-        </p:nvSpPr>
-        <p:spPr/>
-      </p:sp>
-      <p:sp>
-        <p:nvSpPr>
-          <p:cNvPr id="3" name="Notes Placeholder 2">
-            <a:extLst>
-              <a:ext uri="{FF2B5EF4-FFF2-40B4-BE49-F238E27FC236}">
-                <a16:creationId xmlns:a16="http://schemas.microsoft.com/office/drawing/2014/main" id="{2104F923-8149-669B-8A7E-EE096ABBBE6A}"/>
-              </a:ext>
-            </a:extLst>
-          </p:cNvPr>
-          <p:cNvSpPr>
-            <a:spLocks noGrp="1"/>
-          </p:cNvSpPr>
-          <p:nvPr>
-            <p:ph type="body" idx="1"/>
-          </p:nvPr>
-        </p:nvSpPr>
-        <p:spPr/>
-        <p:txBody>
-          <a:bodyPr/>
-          <a:lstStyle/>
-          <a:p>
-            <a:pPr marL="228600" indent="-228600">
-              <a:buAutoNum type="arabicPeriod"/>
-            </a:pPr>
-            <a:r>
-              <a:rPr lang="en-US" dirty="0"/>
-              <a:t>False!</a:t>
-            </a:r>
-          </a:p>
-          <a:p>
-            <a:pPr marL="228600" indent="-228600">
-              <a:buAutoNum type="arabicPeriod"/>
-            </a:pPr>
-            <a:r>
-              <a:rPr lang="en-US" dirty="0"/>
-              <a:t>Function, Formula, Function</a:t>
-            </a:r>
-          </a:p>
-          <a:p>
-            <a:pPr marL="228600" indent="-228600">
-              <a:buAutoNum type="arabicPeriod"/>
-            </a:pPr>
-            <a:r>
-              <a:rPr lang="en-US" dirty="0"/>
-              <a:t>Argument</a:t>
-            </a:r>
-          </a:p>
-        </p:txBody>
-      </p:sp>
-      <p:sp>
-        <p:nvSpPr>
-          <p:cNvPr id="4" name="Slide Number Placeholder 3">
-            <a:extLst>
-              <a:ext uri="{FF2B5EF4-FFF2-40B4-BE49-F238E27FC236}">
-                <a16:creationId xmlns:a16="http://schemas.microsoft.com/office/drawing/2014/main" id="{B3DA4164-01C7-E08C-3915-665021C9829F}"/>
-              </a:ext>
-            </a:extLst>
-          </p:cNvPr>
-          <p:cNvSpPr>
-            <a:spLocks noGrp="1"/>
-          </p:cNvSpPr>
-          <p:nvPr>
-            <p:ph type="sldNum" sz="quarter" idx="5"/>
-          </p:nvPr>
-        </p:nvSpPr>
-        <p:spPr/>
-        <p:txBody>
-          <a:bodyPr/>
-          <a:lstStyle/>
-          <a:p>
-            <a:fld id="{1300335D-9F13-4B80-ADC5-B0EA3E10FF6B}" type="slidenum">
-              <a:rPr lang="en-US" smtClean="0"/>
-              <a:t>24</a:t>
-            </a:fld>
-            <a:endParaRPr lang="en-US"/>
-          </a:p>
-        </p:txBody>
-      </p:sp>
-    </p:spTree>
-    <p:extLst>
-      <p:ext uri="{BB962C8B-B14F-4D97-AF65-F5344CB8AC3E}">
-        <p14:creationId xmlns:p14="http://schemas.microsoft.com/office/powerpoint/2010/main" val="3922983878"/>
-      </p:ext>
-    </p:extLst>
-  </p:cSld>
-  <p:clrMapOvr>
-    <a:masterClrMapping/>
-  </p:clrMapOvr>
-</p:notes>
-</file>
-
-<file path=ppt/notesSlides/notesSlide15.xml><?xml version="1.0" encoding="utf-8"?>
-<p:notes xmlns:a="http://schemas.openxmlformats.org/drawingml/2006/main" xmlns:r="http://schemas.openxmlformats.org/officeDocument/2006/relationships" xmlns:p="http://schemas.openxmlformats.org/presentationml/2006/main">
-  <p:cSld>
-    <p:spTree>
-      <p:nvGrpSpPr>
-        <p:cNvPr id="1" name="">
-          <a:extLst>
-            <a:ext uri="{FF2B5EF4-FFF2-40B4-BE49-F238E27FC236}">
-              <a16:creationId xmlns:a16="http://schemas.microsoft.com/office/drawing/2014/main" id="{7B817362-051E-8052-9840-7547E45113DA}"/>
-            </a:ext>
-          </a:extLst>
-        </p:cNvPr>
-        <p:cNvGrpSpPr/>
-        <p:nvPr/>
-      </p:nvGrpSpPr>
-      <p:grpSpPr>
-        <a:xfrm>
-          <a:off x="0" y="0"/>
-          <a:ext cx="0" cy="0"/>
-          <a:chOff x="0" y="0"/>
-          <a:chExt cx="0" cy="0"/>
-        </a:xfrm>
-      </p:grpSpPr>
-      <p:sp>
-        <p:nvSpPr>
-          <p:cNvPr id="2" name="Slide Image Placeholder 1">
-            <a:extLst>
-              <a:ext uri="{FF2B5EF4-FFF2-40B4-BE49-F238E27FC236}">
-                <a16:creationId xmlns:a16="http://schemas.microsoft.com/office/drawing/2014/main" id="{9232BA27-85A8-FBC0-E66A-0C5E3FCA6981}"/>
-              </a:ext>
-            </a:extLst>
-          </p:cNvPr>
-          <p:cNvSpPr>
-            <a:spLocks noGrp="1" noRot="1" noChangeAspect="1"/>
-          </p:cNvSpPr>
-          <p:nvPr>
-            <p:ph type="sldImg"/>
-          </p:nvPr>
-        </p:nvSpPr>
-        <p:spPr/>
-      </p:sp>
-      <p:sp>
-        <p:nvSpPr>
-          <p:cNvPr id="3" name="Notes Placeholder 2">
-            <a:extLst>
-              <a:ext uri="{FF2B5EF4-FFF2-40B4-BE49-F238E27FC236}">
-                <a16:creationId xmlns:a16="http://schemas.microsoft.com/office/drawing/2014/main" id="{DD21F091-2232-E643-1D4D-D818DD32C031}"/>
-              </a:ext>
-            </a:extLst>
-          </p:cNvPr>
-          <p:cNvSpPr>
-            <a:spLocks noGrp="1"/>
-          </p:cNvSpPr>
-          <p:nvPr>
-            <p:ph type="body" idx="1"/>
-          </p:nvPr>
-        </p:nvSpPr>
-        <p:spPr/>
-        <p:txBody>
-          <a:bodyPr/>
-          <a:lstStyle/>
-          <a:p>
-            <a:pPr marL="228600" indent="-228600">
-              <a:buAutoNum type="arabicPeriod"/>
-            </a:pPr>
-            <a:r>
-              <a:rPr lang="en-US" dirty="0"/>
-              <a:t>False!</a:t>
-            </a:r>
-          </a:p>
-          <a:p>
-            <a:pPr marL="228600" indent="-228600">
-              <a:buAutoNum type="arabicPeriod"/>
-            </a:pPr>
-            <a:r>
-              <a:rPr lang="en-US" dirty="0"/>
-              <a:t>Function, Formula, Function</a:t>
-            </a:r>
-          </a:p>
-          <a:p>
-            <a:pPr marL="228600" indent="-228600">
-              <a:buAutoNum type="arabicPeriod"/>
-            </a:pPr>
-            <a:r>
-              <a:rPr lang="en-US" dirty="0"/>
-              <a:t>Argument</a:t>
-            </a:r>
-          </a:p>
-        </p:txBody>
-      </p:sp>
-      <p:sp>
-        <p:nvSpPr>
-          <p:cNvPr id="4" name="Slide Number Placeholder 3">
-            <a:extLst>
-              <a:ext uri="{FF2B5EF4-FFF2-40B4-BE49-F238E27FC236}">
-                <a16:creationId xmlns:a16="http://schemas.microsoft.com/office/drawing/2014/main" id="{23B736AE-C4D2-1716-F769-D0533607F3F9}"/>
-              </a:ext>
-            </a:extLst>
-          </p:cNvPr>
-          <p:cNvSpPr>
-            <a:spLocks noGrp="1"/>
-          </p:cNvSpPr>
-          <p:nvPr>
-            <p:ph type="sldNum" sz="quarter" idx="5"/>
-          </p:nvPr>
-        </p:nvSpPr>
-        <p:spPr/>
-        <p:txBody>
-          <a:bodyPr/>
-          <a:lstStyle/>
-          <a:p>
-            <a:fld id="{1300335D-9F13-4B80-ADC5-B0EA3E10FF6B}" type="slidenum">
-              <a:rPr lang="en-US" smtClean="0"/>
-              <a:t>25</a:t>
-            </a:fld>
-            <a:endParaRPr lang="en-US"/>
-          </a:p>
-        </p:txBody>
-      </p:sp>
-    </p:spTree>
-    <p:extLst>
-      <p:ext uri="{BB962C8B-B14F-4D97-AF65-F5344CB8AC3E}">
-        <p14:creationId xmlns:p14="http://schemas.microsoft.com/office/powerpoint/2010/main" val="329124620"/>
+        <p14:creationId xmlns:p14="http://schemas.microsoft.com/office/powerpoint/2010/main" val="2293034627"/>
       </p:ext>
     </p:extLst>
   </p:cSld>
@@ -2616,7 +2239,7 @@
             <a:fld id="{1D8BD707-D9CF-40AE-B4C6-C98DA3205C09}" type="datetimeFigureOut">
               <a:rPr lang="en-US" smtClean="0"/>
               <a:pPr/>
-              <a:t>10/18/2024</a:t>
+              <a:t>10/20/2024</a:t>
             </a:fld>
             <a:endParaRPr lang="en-US"/>
           </a:p>
@@ -2781,7 +2404,7 @@
             <a:fld id="{1D8BD707-D9CF-40AE-B4C6-C98DA3205C09}" type="datetimeFigureOut">
               <a:rPr lang="en-US" smtClean="0"/>
               <a:pPr/>
-              <a:t>10/18/2024</a:t>
+              <a:t>10/20/2024</a:t>
             </a:fld>
             <a:endParaRPr lang="en-US"/>
           </a:p>
@@ -2956,7 +2579,7 @@
             <a:fld id="{1D8BD707-D9CF-40AE-B4C6-C98DA3205C09}" type="datetimeFigureOut">
               <a:rPr lang="en-US" smtClean="0"/>
               <a:pPr/>
-              <a:t>10/18/2024</a:t>
+              <a:t>10/20/2024</a:t>
             </a:fld>
             <a:endParaRPr lang="en-US"/>
           </a:p>
@@ -3121,7 +2744,7 @@
             <a:fld id="{1D8BD707-D9CF-40AE-B4C6-C98DA3205C09}" type="datetimeFigureOut">
               <a:rPr lang="en-US" smtClean="0"/>
               <a:pPr/>
-              <a:t>10/18/2024</a:t>
+              <a:t>10/20/2024</a:t>
             </a:fld>
             <a:endParaRPr lang="en-US"/>
           </a:p>
@@ -3363,7 +2986,7 @@
             <a:fld id="{1D8BD707-D9CF-40AE-B4C6-C98DA3205C09}" type="datetimeFigureOut">
               <a:rPr lang="en-US" smtClean="0"/>
               <a:pPr/>
-              <a:t>10/18/2024</a:t>
+              <a:t>10/20/2024</a:t>
             </a:fld>
             <a:endParaRPr lang="en-US"/>
           </a:p>
@@ -3645,7 +3268,7 @@
             <a:fld id="{1D8BD707-D9CF-40AE-B4C6-C98DA3205C09}" type="datetimeFigureOut">
               <a:rPr lang="en-US" smtClean="0"/>
               <a:pPr/>
-              <a:t>10/18/2024</a:t>
+              <a:t>10/20/2024</a:t>
             </a:fld>
             <a:endParaRPr lang="en-US"/>
           </a:p>
@@ -4061,7 +3684,7 @@
             <a:fld id="{1D8BD707-D9CF-40AE-B4C6-C98DA3205C09}" type="datetimeFigureOut">
               <a:rPr lang="en-US" smtClean="0"/>
               <a:pPr/>
-              <a:t>10/18/2024</a:t>
+              <a:t>10/20/2024</a:t>
             </a:fld>
             <a:endParaRPr lang="en-US"/>
           </a:p>
@@ -4175,7 +3798,7 @@
             <a:fld id="{1D8BD707-D9CF-40AE-B4C6-C98DA3205C09}" type="datetimeFigureOut">
               <a:rPr lang="en-US" smtClean="0"/>
               <a:pPr/>
-              <a:t>10/18/2024</a:t>
+              <a:t>10/20/2024</a:t>
             </a:fld>
             <a:endParaRPr lang="en-US"/>
           </a:p>
@@ -4267,7 +3890,7 @@
             <a:fld id="{1D8BD707-D9CF-40AE-B4C6-C98DA3205C09}" type="datetimeFigureOut">
               <a:rPr lang="en-US" smtClean="0"/>
               <a:pPr/>
-              <a:t>10/18/2024</a:t>
+              <a:t>10/20/2024</a:t>
             </a:fld>
             <a:endParaRPr lang="en-US"/>
           </a:p>
@@ -4539,7 +4162,7 @@
             <a:fld id="{1D8BD707-D9CF-40AE-B4C6-C98DA3205C09}" type="datetimeFigureOut">
               <a:rPr lang="en-US" smtClean="0"/>
               <a:pPr/>
-              <a:t>10/18/2024</a:t>
+              <a:t>10/20/2024</a:t>
             </a:fld>
             <a:endParaRPr lang="en-US"/>
           </a:p>
@@ -4788,7 +4411,7 @@
             <a:fld id="{1D8BD707-D9CF-40AE-B4C6-C98DA3205C09}" type="datetimeFigureOut">
               <a:rPr lang="en-US" smtClean="0"/>
               <a:pPr/>
-              <a:t>10/18/2024</a:t>
+              <a:t>10/20/2024</a:t>
             </a:fld>
             <a:endParaRPr lang="en-US"/>
           </a:p>
@@ -5001,7 +4624,7 @@
             <a:fld id="{1D8BD707-D9CF-40AE-B4C6-C98DA3205C09}" type="datetimeFigureOut">
               <a:rPr lang="en-US" smtClean="0"/>
               <a:pPr/>
-              <a:t>10/18/2024</a:t>
+              <a:t>10/20/2024</a:t>
             </a:fld>
             <a:endParaRPr lang="en-US"/>
           </a:p>
@@ -5934,7 +5557,7 @@
         <p:spPr>
           <a:xfrm>
             <a:off x="260431" y="329879"/>
-            <a:ext cx="8906720" cy="7809895"/>
+            <a:ext cx="8906720" cy="7668831"/>
           </a:xfrm>
           <a:prstGeom prst="rect">
             <a:avLst/>
@@ -6001,27 +5624,7 @@
                 <a:latin typeface="Pragmatica" panose="020B0403040502020204"/>
                 <a:sym typeface="Consolas"/>
               </a:rPr>
-              <a:t>Create emails </a:t>
-            </a:r>
-            <a:r>
-              <a:rPr lang="en-US" sz="3600" i="1" dirty="0">
-                <a:solidFill>
-                  <a:srgbClr val="C00000"/>
-                </a:solidFill>
-                <a:latin typeface="Pragmatica" panose="020B0403040502020204"/>
-                <a:sym typeface="Consolas"/>
-              </a:rPr>
-              <a:t>only </a:t>
-            </a:r>
-            <a:r>
-              <a:rPr lang="en-US" sz="3600" dirty="0">
-                <a:solidFill>
-                  <a:srgbClr val="C00000"/>
-                </a:solidFill>
-                <a:latin typeface="Pragmatica" panose="020B0403040502020204"/>
-                <a:sym typeface="Consolas"/>
-              </a:rPr>
-              <a:t>when project is delayed</a:t>
+              <a:t>Add summary of all incoming manager’s emails into a workbook</a:t>
             </a:r>
           </a:p>
           <a:p>
@@ -6047,7 +5650,17 @@
                 <a:latin typeface="Pragmatica" panose="020B0403040502020204"/>
                 <a:sym typeface="Consolas"/>
               </a:rPr>
-              <a:t>Test flow and put on schedule</a:t>
+              <a:t>File: </a:t>
+            </a:r>
+            <a:r>
+              <a:rPr lang="en-US" sz="3600" dirty="0">
+                <a:solidFill>
+                  <a:srgbClr val="C00000"/>
+                </a:solidFill>
+                <a:latin typeface="Consolas" panose="020B0609020204030204" pitchFamily="49" charset="0"/>
+                <a:sym typeface="Consolas"/>
+              </a:rPr>
+              <a:t>automate-excel-entry.xlsx</a:t>
             </a:r>
           </a:p>
           <a:p>
@@ -6073,53 +5686,17 @@
                 <a:latin typeface="Pragmatica" panose="020B0403040502020204"/>
                 <a:sym typeface="Consolas"/>
               </a:rPr>
-              <a:t>File: </a:t>
+              <a:t>Resource: </a:t>
             </a:r>
             <a:r>
               <a:rPr lang="en-US" sz="3600" dirty="0">
                 <a:solidFill>
-                  <a:srgbClr val="C00000"/>
-                </a:solidFill>
-                <a:latin typeface="Consolas" panose="020B0609020204030204" pitchFamily="49" charset="0"/>
-                <a:sym typeface="Consolas"/>
-              </a:rPr>
-              <a:t>conditional-logic.xlsx</a:t>
-            </a:r>
-          </a:p>
-          <a:p>
-            <a:pPr marL="714375" indent="-571500">
-              <a:lnSpc>
-                <a:spcPct val="115000"/>
-              </a:lnSpc>
-              <a:spcBef>
-                <a:spcPts val="1125"/>
-              </a:spcBef>
-              <a:buClr>
-                <a:srgbClr val="C00000"/>
-              </a:buClr>
-              <a:buSzPts val="2100"/>
-              <a:buFont typeface="Arial" panose="020B0604020202020204" pitchFamily="34" charset="0"/>
-              <a:buChar char="•"/>
-            </a:pPr>
-            <a:r>
-              <a:rPr lang="en-US" sz="3600" dirty="0">
-                <a:solidFill>
-                  <a:srgbClr val="C00000"/>
+                  <a:srgbClr val="CF3338"/>
                 </a:solidFill>
                 <a:latin typeface="Pragmatica" panose="020B0403040502020204"/>
                 <a:sym typeface="Consolas"/>
               </a:rPr>
-              <a:t>Resource: </a:t>
-            </a:r>
-            <a:r>
-              <a:rPr lang="en-US" sz="3600" dirty="0">
-                <a:solidFill>
-                  <a:srgbClr val="CF3338"/>
-                </a:solidFill>
-                <a:latin typeface="Pragmatica" panose="020B0403040502020204"/>
-                <a:sym typeface="Consolas"/>
-              </a:rPr>
-              <a:t>https://stringfestanalytics.com/power-automate-for-excel-how-to-understand-conditional-flows/</a:t>
+              <a:t>https://stringfestanalytics.com/how-to-track-incoming-emails-in-excel-with-power-automate/</a:t>
             </a:r>
             <a:endParaRPr lang="en-US" sz="6000" dirty="0">
               <a:solidFill>
@@ -6602,7 +6179,7 @@
         <p:spPr>
           <a:xfrm>
             <a:off x="260431" y="329879"/>
-            <a:ext cx="8906720" cy="7809895"/>
+            <a:ext cx="8906720" cy="7668831"/>
           </a:xfrm>
           <a:prstGeom prst="rect">
             <a:avLst/>
@@ -6669,27 +6246,7 @@
                 <a:latin typeface="Pragmatica" panose="020B0403040502020204"/>
                 <a:sym typeface="Consolas"/>
               </a:rPr>
-              <a:t>Create emails </a:t>
-            </a:r>
-            <a:r>
-              <a:rPr lang="en-US" sz="3600" i="1" dirty="0">
-                <a:solidFill>
-                  <a:srgbClr val="C00000"/>
-                </a:solidFill>
-                <a:latin typeface="Pragmatica" panose="020B0403040502020204"/>
-                <a:sym typeface="Consolas"/>
-              </a:rPr>
-              <a:t>only </a:t>
-            </a:r>
-            <a:r>
-              <a:rPr lang="en-US" sz="3600" dirty="0">
-                <a:solidFill>
-                  <a:srgbClr val="C00000"/>
-                </a:solidFill>
-                <a:latin typeface="Pragmatica" panose="020B0403040502020204"/>
-                <a:sym typeface="Consolas"/>
-              </a:rPr>
-              <a:t>when project is delayed</a:t>
+              <a:t>Run a TOC updater script on schedule</a:t>
             </a:r>
           </a:p>
           <a:p>
@@ -6715,7 +6272,37 @@
                 <a:latin typeface="Pragmatica" panose="020B0403040502020204"/>
                 <a:sym typeface="Consolas"/>
               </a:rPr>
-              <a:t>Test flow and put on schedule</a:t>
+              <a:t>Files: </a:t>
+            </a:r>
+            <a:r>
+              <a:rPr lang="en-US" sz="3600" dirty="0">
+                <a:solidFill>
+                  <a:srgbClr val="C00000"/>
+                </a:solidFill>
+                <a:latin typeface="Consolas" panose="020B0609020204030204" pitchFamily="49" charset="0"/>
+                <a:sym typeface="Consolas"/>
+              </a:rPr>
+              <a:t>power-automate-office-scripts.xlsx</a:t>
+            </a:r>
+            <a:r>
+              <a:rPr lang="en-US" sz="3600" dirty="0">
+                <a:solidFill>
+                  <a:srgbClr val="C00000"/>
+                </a:solidFill>
+                <a:latin typeface="Pragmatica" panose="020B0403040502020204"/>
+                <a:sym typeface="Consolas"/>
+              </a:rPr>
+              <a:t>, </a:t>
+            </a:r>
+            <a:r>
+              <a:rPr lang="en-US" sz="3600" dirty="0">
+                <a:solidFill>
+                  <a:srgbClr val="C00000"/>
+                </a:solidFill>
+                <a:latin typeface="Consolas" panose="020B0609020204030204" pitchFamily="49" charset="0"/>
+                <a:sym typeface="Consolas"/>
+              </a:rPr>
+              <a:t>add-toc.txt</a:t>
             </a:r>
           </a:p>
           <a:p>
@@ -6741,53 +6328,17 @@
                 <a:latin typeface="Pragmatica" panose="020B0403040502020204"/>
                 <a:sym typeface="Consolas"/>
               </a:rPr>
-              <a:t>File: </a:t>
+              <a:t>Resource: </a:t>
             </a:r>
             <a:r>
               <a:rPr lang="en-US" sz="3600" dirty="0">
                 <a:solidFill>
-                  <a:srgbClr val="C00000"/>
-                </a:solidFill>
-                <a:latin typeface="Consolas" panose="020B0609020204030204" pitchFamily="49" charset="0"/>
-                <a:sym typeface="Consolas"/>
-              </a:rPr>
-              <a:t>conditional-logic.xlsx</a:t>
-            </a:r>
-          </a:p>
-          <a:p>
-            <a:pPr marL="714375" indent="-571500">
-              <a:lnSpc>
-                <a:spcPct val="115000"/>
-              </a:lnSpc>
-              <a:spcBef>
-                <a:spcPts val="1125"/>
-              </a:spcBef>
-              <a:buClr>
-                <a:srgbClr val="C00000"/>
-              </a:buClr>
-              <a:buSzPts val="2100"/>
-              <a:buFont typeface="Arial" panose="020B0604020202020204" pitchFamily="34" charset="0"/>
-              <a:buChar char="•"/>
-            </a:pPr>
-            <a:r>
-              <a:rPr lang="en-US" sz="3600" dirty="0">
-                <a:solidFill>
-                  <a:srgbClr val="C00000"/>
+                  <a:srgbClr val="CF3338"/>
                 </a:solidFill>
                 <a:latin typeface="Pragmatica" panose="020B0403040502020204"/>
                 <a:sym typeface="Consolas"/>
               </a:rPr>
-              <a:t>Resource: </a:t>
-            </a:r>
-            <a:r>
-              <a:rPr lang="en-US" sz="3600" dirty="0">
-                <a:solidFill>
-                  <a:srgbClr val="CF3338"/>
-                </a:solidFill>
-                <a:latin typeface="Pragmatica" panose="020B0403040502020204"/>
-                <a:sym typeface="Consolas"/>
-              </a:rPr>
-              <a:t>https://stringfestanalytics.com/power-automate-for-excel-how-to-understand-conditional-flows/</a:t>
+              <a:t>https://stringfestanalytics.com/how-to-get-started-with-power-automate-for-excel/</a:t>
             </a:r>
             <a:endParaRPr lang="en-US" sz="6000" dirty="0">
               <a:solidFill>
@@ -6936,7 +6487,7 @@
         <p:spPr>
           <a:xfrm>
             <a:off x="260431" y="329879"/>
-            <a:ext cx="8906720" cy="7809895"/>
+            <a:ext cx="8906720" cy="9084090"/>
           </a:xfrm>
           <a:prstGeom prst="rect">
             <a:avLst/>
@@ -7003,27 +6554,7 @@
                 <a:latin typeface="Pragmatica" panose="020B0403040502020204"/>
                 <a:sym typeface="Consolas"/>
               </a:rPr>
-              <a:t>Create emails </a:t>
-            </a:r>
-            <a:r>
-              <a:rPr lang="en-US" sz="3600" i="1" dirty="0">
-                <a:solidFill>
-                  <a:srgbClr val="C00000"/>
-                </a:solidFill>
-                <a:latin typeface="Pragmatica" panose="020B0403040502020204"/>
-                <a:sym typeface="Consolas"/>
-              </a:rPr>
-              <a:t>only </a:t>
-            </a:r>
-            <a:r>
-              <a:rPr lang="en-US" sz="3600" dirty="0">
-                <a:solidFill>
-                  <a:srgbClr val="C00000"/>
-                </a:solidFill>
-                <a:latin typeface="Pragmatica" panose="020B0403040502020204"/>
-                <a:sym typeface="Consolas"/>
-              </a:rPr>
-              <a:t>when project is delayed</a:t>
+              <a:t>How can we apply the same script to multiple workbooks? </a:t>
             </a:r>
           </a:p>
           <a:p>
@@ -7049,7 +6580,7 @@
                 <a:latin typeface="Pragmatica" panose="020B0403040502020204"/>
                 <a:sym typeface="Consolas"/>
               </a:rPr>
-              <a:t>Test flow and put on schedule</a:t>
+              <a:t>Use conditional logic to validate filetype</a:t>
             </a:r>
           </a:p>
           <a:p>
@@ -7075,7 +6606,7 @@
                 <a:latin typeface="Pragmatica" panose="020B0403040502020204"/>
                 <a:sym typeface="Consolas"/>
               </a:rPr>
-              <a:t>File: </a:t>
+              <a:t>Folder: </a:t>
             </a:r>
             <a:r>
               <a:rPr lang="en-US" sz="3600" dirty="0">
@@ -7085,7 +6616,7 @@
                 <a:latin typeface="Consolas" panose="020B0609020204030204" pitchFamily="49" charset="0"/>
                 <a:sym typeface="Consolas"/>
               </a:rPr>
-              <a:t>conditional-logic.xlsx</a:t>
+              <a:t>multiple-workbooks</a:t>
             </a:r>
           </a:p>
           <a:p>
@@ -7121,7 +6652,7 @@
                 <a:latin typeface="Pragmatica" panose="020B0403040502020204"/>
                 <a:sym typeface="Consolas"/>
               </a:rPr>
-              <a:t>https://stringfestanalytics.com/power-automate-for-excel-how-to-understand-conditional-flows/</a:t>
+              <a:t>https://stringfestanalytics.com/how-to-run-an-office-script-on-all-excel-workbooks-in-a-folder-with-power-automate/</a:t>
             </a:r>
             <a:endParaRPr lang="en-US" sz="6000" dirty="0">
               <a:solidFill>
@@ -7597,7 +7128,7 @@
                 </a:solidFill>
                 <a:latin typeface="Normafixed Tryout" panose="00000409000000000000" pitchFamily="49" charset="0"/>
               </a:rPr>
-              <a:t>3. Debugging &amp; sharing Office Scripts</a:t>
+              <a:t>3. Advanced Flow Configuration</a:t>
             </a:r>
           </a:p>
         </p:txBody>
@@ -7740,7 +7271,7 @@
         <p:spPr>
           <a:xfrm>
             <a:off x="260431" y="329879"/>
-            <a:ext cx="8906720" cy="8208979"/>
+            <a:ext cx="8906720" cy="7430817"/>
           </a:xfrm>
           <a:prstGeom prst="rect">
             <a:avLst/>
@@ -7760,7 +7291,7 @@
                 </a:solidFill>
                 <a:latin typeface="Pragmatica" panose="020B0403040502020204" pitchFamily="34" charset="0"/>
               </a:rPr>
-              <a:t>Debugging with console.log()</a:t>
+              <a:t>Creating an expense approval process</a:t>
             </a:r>
           </a:p>
           <a:p>
@@ -7772,7 +7303,7 @@
             </a:endParaRPr>
           </a:p>
           <a:p>
-            <a:pPr marL="685800" indent="-542925">
+            <a:pPr marL="714375" indent="-571500">
               <a:lnSpc>
                 <a:spcPct val="115000"/>
               </a:lnSpc>
@@ -7783,8 +7314,8 @@
                 <a:srgbClr val="C00000"/>
               </a:buClr>
               <a:buSzPts val="2100"/>
-              <a:buFont typeface="Arial"/>
-              <a:buAutoNum type="arabicPeriod"/>
+              <a:buFont typeface="Arial" panose="020B0604020202020204" pitchFamily="34" charset="0"/>
+              <a:buChar char="•"/>
             </a:pPr>
             <a:r>
               <a:rPr lang="en-US" sz="3600" dirty="0">
@@ -7794,11 +7325,11 @@
                 <a:latin typeface="Pragmatica" panose="020B0403040502020204"/>
                 <a:sym typeface="Consolas"/>
               </a:rPr>
-              <a:t>Print to console with console.log()</a:t>
-            </a:r>
-          </a:p>
-          <a:p>
-            <a:pPr marL="685800" indent="-542925">
+              <a:t>Create and track expense approval process using Forms, Excel and Power Automate</a:t>
+            </a:r>
+          </a:p>
+          <a:p>
+            <a:pPr marL="714375" indent="-571500">
               <a:lnSpc>
                 <a:spcPct val="115000"/>
               </a:lnSpc>
@@ -7809,8 +7340,8 @@
                 <a:srgbClr val="C00000"/>
               </a:buClr>
               <a:buSzPts val="2100"/>
-              <a:buFont typeface="Arial"/>
-              <a:buAutoNum type="arabicPeriod"/>
+              <a:buFont typeface="Arial" panose="020B0604020202020204" pitchFamily="34" charset="0"/>
+              <a:buChar char="•"/>
             </a:pPr>
             <a:r>
               <a:rPr lang="en-US" sz="3600" dirty="0">
@@ -7820,11 +7351,21 @@
                 <a:latin typeface="Pragmatica" panose="020B0403040502020204"/>
                 <a:sym typeface="Consolas"/>
               </a:rPr>
-              <a:t>How to use this for debugging, particularly in loops</a:t>
-            </a:r>
-          </a:p>
-          <a:p>
-            <a:pPr marL="142875">
+              <a:t>File: </a:t>
+            </a:r>
+            <a:r>
+              <a:rPr lang="en-US" sz="3600" dirty="0">
+                <a:solidFill>
+                  <a:srgbClr val="C00000"/>
+                </a:solidFill>
+                <a:latin typeface="Consolas" panose="020B0609020204030204" pitchFamily="49" charset="0"/>
+                <a:sym typeface="Consolas"/>
+              </a:rPr>
+              <a:t>expense-approval.xlsx</a:t>
+            </a:r>
+          </a:p>
+          <a:p>
+            <a:pPr marL="714375" indent="-571500">
               <a:lnSpc>
                 <a:spcPct val="115000"/>
               </a:lnSpc>
@@ -7835,67 +7376,18 @@
                 <a:srgbClr val="C00000"/>
               </a:buClr>
               <a:buSzPts val="2100"/>
+              <a:buFont typeface="Arial" panose="020B0604020202020204" pitchFamily="34" charset="0"/>
+              <a:buChar char="•"/>
             </a:pPr>
             <a:r>
               <a:rPr lang="en-US" sz="3600" dirty="0">
                 <a:solidFill>
-                  <a:srgbClr val="C00000"/>
+                  <a:srgbClr val="CF3338"/>
                 </a:solidFill>
                 <a:latin typeface="Pragmatica" panose="020B0403040502020204"/>
                 <a:sym typeface="Consolas"/>
               </a:rPr>
-              <a:t>File: Open a blank workbook to proceed</a:t>
-            </a:r>
-          </a:p>
-          <a:p>
-            <a:pPr marL="142875">
-              <a:lnSpc>
-                <a:spcPct val="115000"/>
-              </a:lnSpc>
-              <a:spcBef>
-                <a:spcPts val="1125"/>
-              </a:spcBef>
-              <a:buClr>
-                <a:srgbClr val="C00000"/>
-              </a:buClr>
-              <a:buSzPts val="2100"/>
-            </a:pPr>
-            <a:r>
-              <a:rPr lang="en-US" sz="3600" dirty="0">
-                <a:solidFill>
-                  <a:srgbClr val="CF3338"/>
-                </a:solidFill>
-                <a:latin typeface="Pragmatica" panose="020B0403040502020204"/>
-                <a:sym typeface="Consolas"/>
-              </a:rPr>
-              <a:t>Resource: </a:t>
-            </a:r>
-            <a:r>
-              <a:rPr lang="en-US" sz="3600" dirty="0">
-                <a:solidFill>
-                  <a:srgbClr val="CF3338"/>
-                </a:solidFill>
-                <a:latin typeface="Pragmatica" panose="020B0403040502020204"/>
-                <a:sym typeface="Consolas"/>
-                <a:hlinkClick r:id="rId4">
-                  <a:extLst>
-                    <a:ext uri="{A12FA001-AC4F-418D-AE19-62706E023703}">
-                      <ahyp:hlinkClr xmlns:ahyp="http://schemas.microsoft.com/office/drawing/2018/hyperlinkcolor" val="tx"/>
-                    </a:ext>
-                  </a:extLst>
-                </a:hlinkClick>
-              </a:rPr>
-              <a:t>https://stringfestanalytics.com/how-to-understand-console-log-in-office-scripts-for-excel/</a:t>
-            </a:r>
-            <a:r>
-              <a:rPr lang="en-US" sz="3600" dirty="0">
-                <a:solidFill>
-                  <a:srgbClr val="CF3338"/>
-                </a:solidFill>
-                <a:latin typeface="Pragmatica" panose="020B0403040502020204"/>
-                <a:sym typeface="Consolas"/>
-              </a:rPr>
-              <a:t> </a:t>
+              <a:t>Resource: https://stringfestanalytics.com/power-automate-for-excel-how-to-create-an-approval-process-with-microsoft-forms/</a:t>
             </a:r>
           </a:p>
         </p:txBody>
@@ -8038,7 +7530,7 @@
         <p:spPr>
           <a:xfrm>
             <a:off x="260431" y="329879"/>
-            <a:ext cx="8906720" cy="6789616"/>
+            <a:ext cx="8906720" cy="8846076"/>
           </a:xfrm>
           <a:prstGeom prst="rect">
             <a:avLst/>
@@ -8058,7 +7550,7 @@
                 </a:solidFill>
                 <a:latin typeface="Pragmatica" panose="020B0403040502020204" pitchFamily="34" charset="0"/>
               </a:rPr>
-              <a:t>Sharing your Office Scripts</a:t>
+              <a:t>Retrieving data from external sources</a:t>
             </a:r>
           </a:p>
           <a:p>
@@ -8070,7 +7562,7 @@
             </a:endParaRPr>
           </a:p>
           <a:p>
-            <a:pPr marL="685800" indent="-542925">
+            <a:pPr marL="714375" indent="-571500">
               <a:lnSpc>
                 <a:spcPct val="115000"/>
               </a:lnSpc>
@@ -8081,8 +7573,8 @@
                 <a:srgbClr val="C00000"/>
               </a:buClr>
               <a:buSzPts val="2100"/>
-              <a:buFont typeface="Arial"/>
-              <a:buAutoNum type="arabicPeriod"/>
+              <a:buFont typeface="Arial" panose="020B0604020202020204" pitchFamily="34" charset="0"/>
+              <a:buChar char="•"/>
             </a:pPr>
             <a:r>
               <a:rPr lang="en-US" sz="3600" dirty="0">
@@ -8092,11 +7584,11 @@
                 <a:latin typeface="Pragmatica" panose="020B0403040502020204"/>
                 <a:sym typeface="Consolas"/>
               </a:rPr>
-              <a:t>Sharing within a workbook</a:t>
-            </a:r>
-          </a:p>
-          <a:p>
-            <a:pPr marL="685800" indent="-542925">
+              <a:t>How can we check and collect data from outside sources, e.g. RSS feeds?</a:t>
+            </a:r>
+          </a:p>
+          <a:p>
+            <a:pPr marL="714375" indent="-571500">
               <a:lnSpc>
                 <a:spcPct val="115000"/>
               </a:lnSpc>
@@ -8107,8 +7599,8 @@
                 <a:srgbClr val="C00000"/>
               </a:buClr>
               <a:buSzPts val="2100"/>
-              <a:buFont typeface="Arial"/>
-              <a:buAutoNum type="arabicPeriod"/>
+              <a:buFont typeface="Arial" panose="020B0604020202020204" pitchFamily="34" charset="0"/>
+              <a:buChar char="•"/>
             </a:pPr>
             <a:r>
               <a:rPr lang="en-US" sz="3600" dirty="0">
@@ -8118,11 +7610,11 @@
                 <a:latin typeface="Pragmatica" panose="020B0403040502020204"/>
                 <a:sym typeface="Consolas"/>
               </a:rPr>
-              <a:t>Sharing with other users in an organization</a:t>
-            </a:r>
-          </a:p>
-          <a:p>
-            <a:pPr marL="685800" indent="-542925">
+              <a:t>Power Automate vs Power Query for data collection</a:t>
+            </a:r>
+          </a:p>
+          <a:p>
+            <a:pPr marL="714375" indent="-571500">
               <a:lnSpc>
                 <a:spcPct val="115000"/>
               </a:lnSpc>
@@ -8133,8 +7625,8 @@
                 <a:srgbClr val="C00000"/>
               </a:buClr>
               <a:buSzPts val="2100"/>
-              <a:buFont typeface="Arial"/>
-              <a:buAutoNum type="arabicPeriod"/>
+              <a:buFont typeface="Arial" panose="020B0604020202020204" pitchFamily="34" charset="0"/>
+              <a:buChar char="•"/>
             </a:pPr>
             <a:r>
               <a:rPr lang="en-US" sz="3600" dirty="0">
@@ -8144,11 +7636,41 @@
                 <a:latin typeface="Pragmatica" panose="020B0403040502020204"/>
                 <a:sym typeface="Consolas"/>
               </a:rPr>
-              <a:t>Sharing outside your organization</a:t>
-            </a:r>
-          </a:p>
-          <a:p>
-            <a:pPr marL="142875">
+              <a:t>Fils: </a:t>
+            </a:r>
+            <a:r>
+              <a:rPr lang="en-US" sz="3600" dirty="0">
+                <a:solidFill>
+                  <a:srgbClr val="C00000"/>
+                </a:solidFill>
+                <a:latin typeface="Consolas" panose="020B0609020204030204" pitchFamily="49" charset="0"/>
+                <a:sym typeface="Consolas"/>
+              </a:rPr>
+              <a:t>get-rss.xlsx</a:t>
+            </a:r>
+            <a:r>
+              <a:rPr lang="en-US" sz="3600" dirty="0">
+                <a:solidFill>
+                  <a:srgbClr val="C00000"/>
+                </a:solidFill>
+                <a:latin typeface="Pragmatica" panose="020B0403040502020204"/>
+                <a:sym typeface="Consolas"/>
+              </a:rPr>
+              <a:t>, </a:t>
+            </a:r>
+            <a:r>
+              <a:rPr lang="en-US" sz="3600" dirty="0">
+                <a:solidFill>
+                  <a:srgbClr val="C00000"/>
+                </a:solidFill>
+                <a:latin typeface="Consolas" panose="020B0609020204030204" pitchFamily="49" charset="0"/>
+                <a:sym typeface="Consolas"/>
+              </a:rPr>
+              <a:t>bbc-rss.txt</a:t>
+            </a:r>
+          </a:p>
+          <a:p>
+            <a:pPr marL="714375" indent="-571500">
               <a:lnSpc>
                 <a:spcPct val="115000"/>
               </a:lnSpc>
@@ -8159,77 +7681,18 @@
                 <a:srgbClr val="C00000"/>
               </a:buClr>
               <a:buSzPts val="2100"/>
+              <a:buFont typeface="Arial" panose="020B0604020202020204" pitchFamily="34" charset="0"/>
+              <a:buChar char="•"/>
             </a:pPr>
             <a:r>
               <a:rPr lang="en-US" sz="3600" dirty="0">
                 <a:solidFill>
-                  <a:srgbClr val="C00000"/>
+                  <a:srgbClr val="CF3338"/>
                 </a:solidFill>
                 <a:latin typeface="Pragmatica" panose="020B0403040502020204"/>
                 <a:sym typeface="Consolas"/>
               </a:rPr>
-              <a:t>File: </a:t>
-            </a:r>
-            <a:r>
-              <a:rPr lang="en-US" sz="3600" dirty="0">
-                <a:solidFill>
-                  <a:srgbClr val="C00000"/>
-                </a:solidFill>
-                <a:latin typeface="Consolas" panose="020B0609020204030204" pitchFamily="49" charset="0"/>
-                <a:sym typeface="Consolas"/>
-              </a:rPr>
-              <a:t>sharing-office-scripts.xlsx</a:t>
-            </a:r>
-          </a:p>
-          <a:p>
-            <a:pPr marL="142875">
-              <a:lnSpc>
-                <a:spcPct val="115000"/>
-              </a:lnSpc>
-              <a:spcBef>
-                <a:spcPts val="1125"/>
-              </a:spcBef>
-              <a:buClr>
-                <a:srgbClr val="C00000"/>
-              </a:buClr>
-              <a:buSzPts val="2100"/>
-            </a:pPr>
-            <a:r>
-              <a:rPr lang="en-US" sz="3600" dirty="0">
-                <a:solidFill>
-                  <a:srgbClr val="CF3338"/>
-                </a:solidFill>
-                <a:latin typeface="Pragmatica" panose="020B0403040502020204"/>
-                <a:sym typeface="Consolas"/>
-              </a:rPr>
-              <a:t>Resource: </a:t>
-            </a:r>
-            <a:r>
-              <a:rPr lang="en-US" sz="3600" dirty="0">
-                <a:solidFill>
-                  <a:srgbClr val="CF3338"/>
-                </a:solidFill>
-                <a:latin typeface="Pragmatica" panose="020B0403040502020204"/>
-                <a:sym typeface="Consolas"/>
-                <a:hlinkClick r:id="rId4">
-                  <a:extLst>
-                    <a:ext uri="{A12FA001-AC4F-418D-AE19-62706E023703}">
-                      <ahyp:hlinkClr xmlns:ahyp="http://schemas.microsoft.com/office/drawing/2018/hyperlinkcolor" val="tx"/>
-                    </a:ext>
-                  </a:extLst>
-                </a:hlinkClick>
-              </a:rPr>
-              <a:t>https://stringfestanalytics.com/office-scripts-for-excel-how-to-share-your-scripts/</a:t>
-            </a:r>
-            <a:r>
-              <a:rPr lang="en-US" sz="3600" dirty="0">
-                <a:solidFill>
-                  <a:srgbClr val="CF3338"/>
-                </a:solidFill>
-                <a:latin typeface="Pragmatica" panose="020B0403040502020204"/>
-                <a:sym typeface="Consolas"/>
-              </a:rPr>
-              <a:t> </a:t>
+              <a:t>Resource: https://stringfestanalytics.com/power-automate-for-excel-how-to-work-with-rss-feeds/</a:t>
             </a:r>
           </a:p>
         </p:txBody>
@@ -8586,6 +8049,314 @@
   <p:cSld>
     <p:spTree>
       <p:nvGrpSpPr>
+        <p:cNvPr id="1" name="">
+          <a:extLst>
+            <a:ext uri="{FF2B5EF4-FFF2-40B4-BE49-F238E27FC236}">
+              <a16:creationId xmlns:a16="http://schemas.microsoft.com/office/drawing/2014/main" id="{14399860-2957-C1D7-6CB0-C24ADF9AA52A}"/>
+            </a:ext>
+          </a:extLst>
+        </p:cNvPr>
+        <p:cNvGrpSpPr/>
+        <p:nvPr/>
+      </p:nvGrpSpPr>
+      <p:grpSpPr>
+        <a:xfrm>
+          <a:off x="0" y="0"/>
+          <a:ext cx="0" cy="0"/>
+          <a:chOff x="0" y="0"/>
+          <a:chExt cx="0" cy="0"/>
+        </a:xfrm>
+      </p:grpSpPr>
+      <p:sp>
+        <p:nvSpPr>
+          <p:cNvPr id="4" name="Rectangle 3">
+            <a:extLst>
+              <a:ext uri="{FF2B5EF4-FFF2-40B4-BE49-F238E27FC236}">
+                <a16:creationId xmlns:a16="http://schemas.microsoft.com/office/drawing/2014/main" id="{A3173427-48A7-8207-E396-20C6F2E927BC}"/>
+              </a:ext>
+            </a:extLst>
+          </p:cNvPr>
+          <p:cNvSpPr/>
+          <p:nvPr/>
+        </p:nvSpPr>
+        <p:spPr>
+          <a:xfrm>
+            <a:off x="13944600" y="0"/>
+            <a:ext cx="4343400" cy="10287000"/>
+          </a:xfrm>
+          <a:prstGeom prst="rect">
+            <a:avLst/>
+          </a:prstGeom>
+          <a:solidFill>
+            <a:srgbClr val="CF3338"/>
+          </a:solidFill>
+          <a:ln>
+            <a:noFill/>
+          </a:ln>
+        </p:spPr>
+        <p:style>
+          <a:lnRef idx="2">
+            <a:schemeClr val="accent1">
+              <a:shade val="50000"/>
+            </a:schemeClr>
+          </a:lnRef>
+          <a:fillRef idx="1">
+            <a:schemeClr val="accent1"/>
+          </a:fillRef>
+          <a:effectRef idx="0">
+            <a:schemeClr val="accent1"/>
+          </a:effectRef>
+          <a:fontRef idx="minor">
+            <a:schemeClr val="lt1"/>
+          </a:fontRef>
+        </p:style>
+        <p:txBody>
+          <a:bodyPr rtlCol="0" anchor="ctr"/>
+          <a:lstStyle/>
+          <a:p>
+            <a:pPr algn="ctr"/>
+            <a:endParaRPr lang="en-US" sz="2700"/>
+          </a:p>
+        </p:txBody>
+      </p:sp>
+      <p:pic>
+        <p:nvPicPr>
+          <p:cNvPr id="2" name="Picture 1">
+            <a:extLst>
+              <a:ext uri="{FF2B5EF4-FFF2-40B4-BE49-F238E27FC236}">
+                <a16:creationId xmlns:a16="http://schemas.microsoft.com/office/drawing/2014/main" id="{7C72F9CE-C03B-D3BB-0DEA-A384AB64D3CE}"/>
+              </a:ext>
+            </a:extLst>
+          </p:cNvPr>
+          <p:cNvPicPr>
+            <a:picLocks noChangeAspect="1"/>
+          </p:cNvPicPr>
+          <p:nvPr/>
+        </p:nvPicPr>
+        <p:blipFill rotWithShape="1">
+          <a:blip r:embed="rId3">
+            <a:extLst>
+              <a:ext uri="{28A0092B-C50C-407E-A947-70E740481C1C}">
+                <a14:useLocalDpi xmlns:a14="http://schemas.microsoft.com/office/drawing/2010/main" val="0"/>
+              </a:ext>
+            </a:extLst>
+          </a:blip>
+          <a:srcRect l="69227" t="33418" r="20112" b="50548"/>
+          <a:stretch/>
+        </p:blipFill>
+        <p:spPr>
+          <a:xfrm>
+            <a:off x="15579524" y="7544693"/>
+            <a:ext cx="2708477" cy="2987579"/>
+          </a:xfrm>
+          <a:prstGeom prst="rect">
+            <a:avLst/>
+          </a:prstGeom>
+        </p:spPr>
+      </p:pic>
+      <p:sp>
+        <p:nvSpPr>
+          <p:cNvPr id="3" name="TextBox 2">
+            <a:extLst>
+              <a:ext uri="{FF2B5EF4-FFF2-40B4-BE49-F238E27FC236}">
+                <a16:creationId xmlns:a16="http://schemas.microsoft.com/office/drawing/2014/main" id="{F66284FF-EB9F-6FD6-AE52-491CE524A986}"/>
+              </a:ext>
+            </a:extLst>
+          </p:cNvPr>
+          <p:cNvSpPr txBox="1"/>
+          <p:nvPr/>
+        </p:nvSpPr>
+        <p:spPr>
+          <a:xfrm>
+            <a:off x="260430" y="329879"/>
+            <a:ext cx="12998369" cy="8700908"/>
+          </a:xfrm>
+          <a:prstGeom prst="rect">
+            <a:avLst/>
+          </a:prstGeom>
+          <a:noFill/>
+        </p:spPr>
+        <p:txBody>
+          <a:bodyPr wrap="square" rtlCol="0">
+            <a:spAutoFit/>
+          </a:bodyPr>
+          <a:lstStyle/>
+          <a:p>
+            <a:r>
+              <a:rPr lang="en-US" sz="6000" b="1" dirty="0">
+                <a:solidFill>
+                  <a:srgbClr val="CF3338"/>
+                </a:solidFill>
+                <a:latin typeface="Pragmatica" panose="020B0403040502020204" pitchFamily="34" charset="0"/>
+              </a:rPr>
+              <a:t>Exercises</a:t>
+            </a:r>
+          </a:p>
+          <a:p>
+            <a:endParaRPr lang="en-US" sz="4200" dirty="0">
+              <a:solidFill>
+                <a:srgbClr val="CF3338"/>
+              </a:solidFill>
+              <a:latin typeface="Pragmatica" panose="020B0403040502020204" pitchFamily="34" charset="0"/>
+            </a:endParaRPr>
+          </a:p>
+          <a:p>
+            <a:pPr marL="714375" indent="-571500">
+              <a:lnSpc>
+                <a:spcPct val="115000"/>
+              </a:lnSpc>
+              <a:spcBef>
+                <a:spcPts val="1125"/>
+              </a:spcBef>
+              <a:buClr>
+                <a:srgbClr val="C00000"/>
+              </a:buClr>
+              <a:buSzPts val="2100"/>
+              <a:buFont typeface="Arial" panose="020B0604020202020204" pitchFamily="34" charset="0"/>
+              <a:buChar char="•"/>
+            </a:pPr>
+            <a:r>
+              <a:rPr lang="en-US" sz="3600" dirty="0">
+                <a:solidFill>
+                  <a:srgbClr val="C00000"/>
+                </a:solidFill>
+                <a:latin typeface="Pragmatica" panose="020B0403040502020204"/>
+                <a:sym typeface="Consolas"/>
+              </a:rPr>
+              <a:t>Create a customer feedback review process</a:t>
+            </a:r>
+          </a:p>
+          <a:p>
+            <a:pPr marL="714375" indent="-571500">
+              <a:lnSpc>
+                <a:spcPct val="115000"/>
+              </a:lnSpc>
+              <a:spcBef>
+                <a:spcPts val="1125"/>
+              </a:spcBef>
+              <a:buClr>
+                <a:srgbClr val="C00000"/>
+              </a:buClr>
+              <a:buSzPts val="2100"/>
+              <a:buFont typeface="Arial" panose="020B0604020202020204" pitchFamily="34" charset="0"/>
+              <a:buChar char="•"/>
+            </a:pPr>
+            <a:r>
+              <a:rPr lang="en-US" sz="3600" dirty="0">
+                <a:solidFill>
+                  <a:srgbClr val="C00000"/>
+                </a:solidFill>
+                <a:latin typeface="Pragmatica" panose="020B0403040502020204"/>
+                <a:sym typeface="Consolas"/>
+              </a:rPr>
+              <a:t>Start with: “When a new response is submitted &gt; Get response details”</a:t>
+            </a:r>
+          </a:p>
+          <a:p>
+            <a:pPr marL="714375" indent="-571500">
+              <a:lnSpc>
+                <a:spcPct val="115000"/>
+              </a:lnSpc>
+              <a:spcBef>
+                <a:spcPts val="1125"/>
+              </a:spcBef>
+              <a:buClr>
+                <a:srgbClr val="C00000"/>
+              </a:buClr>
+              <a:buSzPts val="2100"/>
+              <a:buFont typeface="Arial" panose="020B0604020202020204" pitchFamily="34" charset="0"/>
+              <a:buChar char="•"/>
+            </a:pPr>
+            <a:r>
+              <a:rPr lang="en-US" sz="3600" dirty="0">
+                <a:solidFill>
+                  <a:srgbClr val="C00000"/>
+                </a:solidFill>
+                <a:latin typeface="Pragmatica" panose="020B0403040502020204"/>
+                <a:sym typeface="Consolas"/>
+              </a:rPr>
+              <a:t>Add a conditional operation: if the "Overall Experience" score is 4 stars and up, email the recipient thanking them for their business. If it's less, email the recipient apologizing and also send an email notification to a manager.</a:t>
+            </a:r>
+          </a:p>
+          <a:p>
+            <a:pPr marL="1171575" lvl="1" indent="-571500">
+              <a:lnSpc>
+                <a:spcPct val="115000"/>
+              </a:lnSpc>
+              <a:spcBef>
+                <a:spcPts val="1125"/>
+              </a:spcBef>
+              <a:buClr>
+                <a:srgbClr val="C00000"/>
+              </a:buClr>
+              <a:buSzPts val="2100"/>
+              <a:buFont typeface="Arial" panose="020B0604020202020204" pitchFamily="34" charset="0"/>
+              <a:buChar char="•"/>
+            </a:pPr>
+            <a:r>
+              <a:rPr lang="en-US" sz="3600" dirty="0">
+                <a:solidFill>
+                  <a:srgbClr val="C00000"/>
+                </a:solidFill>
+                <a:latin typeface="Pragmatica" panose="020B0403040502020204"/>
+                <a:sym typeface="Consolas"/>
+              </a:rPr>
+              <a:t>Use Power Automate to convert feedback score to text with INT() function</a:t>
+            </a:r>
+          </a:p>
+          <a:p>
+            <a:pPr marL="714375" indent="-571500">
+              <a:lnSpc>
+                <a:spcPct val="115000"/>
+              </a:lnSpc>
+              <a:spcBef>
+                <a:spcPts val="1125"/>
+              </a:spcBef>
+              <a:buClr>
+                <a:srgbClr val="C00000"/>
+              </a:buClr>
+              <a:buSzPts val="2100"/>
+              <a:buFont typeface="Arial" panose="020B0604020202020204" pitchFamily="34" charset="0"/>
+              <a:buChar char="•"/>
+            </a:pPr>
+            <a:r>
+              <a:rPr lang="en-US" sz="3600" dirty="0">
+                <a:solidFill>
+                  <a:srgbClr val="C00000"/>
+                </a:solidFill>
+                <a:latin typeface="Pragmatica" panose="020B0403040502020204"/>
+                <a:sym typeface="Consolas"/>
+              </a:rPr>
+              <a:t>Feel free to use Copilot for help!</a:t>
+            </a:r>
+            <a:endParaRPr lang="en-US" sz="3600" dirty="0">
+              <a:solidFill>
+                <a:srgbClr val="CF3338"/>
+              </a:solidFill>
+              <a:latin typeface="Pragmatica" panose="020B0403040502020204"/>
+              <a:sym typeface="Consolas"/>
+            </a:endParaRPr>
+          </a:p>
+        </p:txBody>
+      </p:sp>
+    </p:spTree>
+    <p:extLst>
+      <p:ext uri="{BB962C8B-B14F-4D97-AF65-F5344CB8AC3E}">
+        <p14:creationId xmlns:p14="http://schemas.microsoft.com/office/powerpoint/2010/main" val="4086825570"/>
+      </p:ext>
+    </p:extLst>
+  </p:cSld>
+  <p:clrMapOvr>
+    <a:masterClrMapping/>
+  </p:clrMapOvr>
+</p:sld>
+</file>
+
+<file path=ppt/slides/slide21.xml><?xml version="1.0" encoding="utf-8"?>
+<p:sld xmlns:a="http://schemas.openxmlformats.org/drawingml/2006/main" xmlns:r="http://schemas.openxmlformats.org/officeDocument/2006/relationships" xmlns:p="http://schemas.openxmlformats.org/presentationml/2006/main">
+  <p:cSld>
+    <p:spTree>
+      <p:nvGrpSpPr>
         <p:cNvPr id="1" name=""/>
         <p:cNvGrpSpPr/>
         <p:nvPr/>
@@ -8739,1542 +8510,7 @@
 </p:sld>
 </file>
 
-<file path=ppt/slides/slide21.xml><?xml version="1.0" encoding="utf-8"?>
-<p:sld xmlns:a="http://schemas.openxmlformats.org/drawingml/2006/main" xmlns:r="http://schemas.openxmlformats.org/officeDocument/2006/relationships" xmlns:p="http://schemas.openxmlformats.org/presentationml/2006/main">
-  <p:cSld>
-    <p:spTree>
-      <p:nvGrpSpPr>
-        <p:cNvPr id="1" name="">
-          <a:extLst>
-            <a:ext uri="{FF2B5EF4-FFF2-40B4-BE49-F238E27FC236}">
-              <a16:creationId xmlns:a16="http://schemas.microsoft.com/office/drawing/2014/main" id="{B00EF64E-978E-DE9E-B1AB-AFA91528E834}"/>
-            </a:ext>
-          </a:extLst>
-        </p:cNvPr>
-        <p:cNvGrpSpPr/>
-        <p:nvPr/>
-      </p:nvGrpSpPr>
-      <p:grpSpPr>
-        <a:xfrm>
-          <a:off x="0" y="0"/>
-          <a:ext cx="0" cy="0"/>
-          <a:chOff x="0" y="0"/>
-          <a:chExt cx="0" cy="0"/>
-        </a:xfrm>
-      </p:grpSpPr>
-      <p:sp>
-        <p:nvSpPr>
-          <p:cNvPr id="4" name="Rectangle 3">
-            <a:extLst>
-              <a:ext uri="{FF2B5EF4-FFF2-40B4-BE49-F238E27FC236}">
-                <a16:creationId xmlns:a16="http://schemas.microsoft.com/office/drawing/2014/main" id="{48A71BC5-8684-91C1-6B3F-A1A745B63039}"/>
-              </a:ext>
-            </a:extLst>
-          </p:cNvPr>
-          <p:cNvSpPr/>
-          <p:nvPr/>
-        </p:nvSpPr>
-        <p:spPr>
-          <a:xfrm>
-            <a:off x="0" y="0"/>
-            <a:ext cx="18288000" cy="10287000"/>
-          </a:xfrm>
-          <a:prstGeom prst="rect">
-            <a:avLst/>
-          </a:prstGeom>
-          <a:solidFill>
-            <a:srgbClr val="CF3338"/>
-          </a:solidFill>
-          <a:ln>
-            <a:noFill/>
-          </a:ln>
-        </p:spPr>
-        <p:style>
-          <a:lnRef idx="2">
-            <a:schemeClr val="accent1">
-              <a:shade val="50000"/>
-            </a:schemeClr>
-          </a:lnRef>
-          <a:fillRef idx="1">
-            <a:schemeClr val="accent1"/>
-          </a:fillRef>
-          <a:effectRef idx="0">
-            <a:schemeClr val="accent1"/>
-          </a:effectRef>
-          <a:fontRef idx="minor">
-            <a:schemeClr val="lt1"/>
-          </a:fontRef>
-        </p:style>
-        <p:txBody>
-          <a:bodyPr rtlCol="0" anchor="ctr"/>
-          <a:lstStyle/>
-          <a:p>
-            <a:pPr algn="ctr"/>
-            <a:endParaRPr lang="en-US" sz="2700"/>
-          </a:p>
-        </p:txBody>
-      </p:sp>
-      <p:sp>
-        <p:nvSpPr>
-          <p:cNvPr id="5" name="TextBox 4">
-            <a:extLst>
-              <a:ext uri="{FF2B5EF4-FFF2-40B4-BE49-F238E27FC236}">
-                <a16:creationId xmlns:a16="http://schemas.microsoft.com/office/drawing/2014/main" id="{5CA0EFB8-FBDD-5FBD-D7A8-9920121CAA28}"/>
-              </a:ext>
-            </a:extLst>
-          </p:cNvPr>
-          <p:cNvSpPr txBox="1"/>
-          <p:nvPr/>
-        </p:nvSpPr>
-        <p:spPr>
-          <a:xfrm>
-            <a:off x="781292" y="590309"/>
-            <a:ext cx="15486926" cy="3139321"/>
-          </a:xfrm>
-          <a:prstGeom prst="rect">
-            <a:avLst/>
-          </a:prstGeom>
-          <a:noFill/>
-        </p:spPr>
-        <p:txBody>
-          <a:bodyPr wrap="square" rtlCol="0">
-            <a:spAutoFit/>
-          </a:bodyPr>
-          <a:lstStyle/>
-          <a:p>
-            <a:r>
-              <a:rPr lang="en-US" sz="9900" b="1" dirty="0">
-                <a:solidFill>
-                  <a:schemeClr val="bg1"/>
-                </a:solidFill>
-                <a:latin typeface="Normafixed Tryout" panose="00000409000000000000" pitchFamily="49" charset="0"/>
-              </a:rPr>
-              <a:t>4. Office Scripts &amp; Power Automate</a:t>
-            </a:r>
-          </a:p>
-        </p:txBody>
-      </p:sp>
-    </p:spTree>
-    <p:extLst>
-      <p:ext uri="{BB962C8B-B14F-4D97-AF65-F5344CB8AC3E}">
-        <p14:creationId xmlns:p14="http://schemas.microsoft.com/office/powerpoint/2010/main" val="3272495201"/>
-      </p:ext>
-    </p:extLst>
-  </p:cSld>
-  <p:clrMapOvr>
-    <a:masterClrMapping/>
-  </p:clrMapOvr>
-</p:sld>
-</file>
-
 <file path=ppt/slides/slide22.xml><?xml version="1.0" encoding="utf-8"?>
-<p:sld xmlns:a="http://schemas.openxmlformats.org/drawingml/2006/main" xmlns:r="http://schemas.openxmlformats.org/officeDocument/2006/relationships" xmlns:p="http://schemas.openxmlformats.org/presentationml/2006/main">
-  <p:cSld>
-    <p:spTree>
-      <p:nvGrpSpPr>
-        <p:cNvPr id="1" name=""/>
-        <p:cNvGrpSpPr/>
-        <p:nvPr/>
-      </p:nvGrpSpPr>
-      <p:grpSpPr>
-        <a:xfrm>
-          <a:off x="0" y="0"/>
-          <a:ext cx="0" cy="0"/>
-          <a:chOff x="0" y="0"/>
-          <a:chExt cx="0" cy="0"/>
-        </a:xfrm>
-      </p:grpSpPr>
-      <p:sp>
-        <p:nvSpPr>
-          <p:cNvPr id="4" name="Rectangle 3"/>
-          <p:cNvSpPr/>
-          <p:nvPr/>
-        </p:nvSpPr>
-        <p:spPr>
-          <a:xfrm>
-            <a:off x="9861630" y="0"/>
-            <a:ext cx="8426370" cy="10287000"/>
-          </a:xfrm>
-          <a:prstGeom prst="rect">
-            <a:avLst/>
-          </a:prstGeom>
-          <a:solidFill>
-            <a:srgbClr val="CF3338"/>
-          </a:solidFill>
-          <a:ln>
-            <a:noFill/>
-          </a:ln>
-        </p:spPr>
-        <p:style>
-          <a:lnRef idx="2">
-            <a:schemeClr val="accent1">
-              <a:shade val="50000"/>
-            </a:schemeClr>
-          </a:lnRef>
-          <a:fillRef idx="1">
-            <a:schemeClr val="accent1"/>
-          </a:fillRef>
-          <a:effectRef idx="0">
-            <a:schemeClr val="accent1"/>
-          </a:effectRef>
-          <a:fontRef idx="minor">
-            <a:schemeClr val="lt1"/>
-          </a:fontRef>
-        </p:style>
-        <p:txBody>
-          <a:bodyPr rtlCol="0" anchor="ctr"/>
-          <a:lstStyle/>
-          <a:p>
-            <a:pPr algn="ctr"/>
-            <a:endParaRPr lang="en-US" sz="2700"/>
-          </a:p>
-        </p:txBody>
-      </p:sp>
-      <p:pic>
-        <p:nvPicPr>
-          <p:cNvPr id="2" name="Picture 1"/>
-          <p:cNvPicPr>
-            <a:picLocks noChangeAspect="1"/>
-          </p:cNvPicPr>
-          <p:nvPr/>
-        </p:nvPicPr>
-        <p:blipFill rotWithShape="1">
-          <a:blip r:embed="rId3">
-            <a:extLst>
-              <a:ext uri="{28A0092B-C50C-407E-A947-70E740481C1C}">
-                <a14:useLocalDpi xmlns:a14="http://schemas.microsoft.com/office/drawing/2010/main" val="0"/>
-              </a:ext>
-            </a:extLst>
-          </a:blip>
-          <a:srcRect l="69227" t="33418" r="20112" b="50548"/>
-          <a:stretch/>
-        </p:blipFill>
-        <p:spPr>
-          <a:xfrm>
-            <a:off x="15579524" y="7544693"/>
-            <a:ext cx="2708477" cy="2987579"/>
-          </a:xfrm>
-          <a:prstGeom prst="rect">
-            <a:avLst/>
-          </a:prstGeom>
-        </p:spPr>
-      </p:pic>
-      <p:sp>
-        <p:nvSpPr>
-          <p:cNvPr id="3" name="TextBox 2"/>
-          <p:cNvSpPr txBox="1"/>
-          <p:nvPr/>
-        </p:nvSpPr>
-        <p:spPr>
-          <a:xfrm>
-            <a:off x="260431" y="329879"/>
-            <a:ext cx="8906720" cy="9169690"/>
-          </a:xfrm>
-          <a:prstGeom prst="rect">
-            <a:avLst/>
-          </a:prstGeom>
-          <a:noFill/>
-        </p:spPr>
-        <p:txBody>
-          <a:bodyPr wrap="square" rtlCol="0">
-            <a:spAutoFit/>
-          </a:bodyPr>
-          <a:lstStyle/>
-          <a:p>
-            <a:r>
-              <a:rPr lang="en-US" sz="6000" b="1" dirty="0">
-                <a:solidFill>
-                  <a:srgbClr val="CF3338"/>
-                </a:solidFill>
-                <a:latin typeface="Pragmatica" panose="020B0403040502020204" pitchFamily="34" charset="0"/>
-              </a:rPr>
-              <a:t>Record Actions in Office Scripts</a:t>
-            </a:r>
-          </a:p>
-          <a:p>
-            <a:endParaRPr lang="en-US" sz="4200" dirty="0">
-              <a:solidFill>
-                <a:srgbClr val="CF3338"/>
-              </a:solidFill>
-              <a:latin typeface="Pragmatica" panose="020B0403040502020204" pitchFamily="34" charset="0"/>
-            </a:endParaRPr>
-          </a:p>
-          <a:p>
-            <a:pPr marL="685800" indent="-542925">
-              <a:lnSpc>
-                <a:spcPct val="115000"/>
-              </a:lnSpc>
-              <a:spcBef>
-                <a:spcPts val="1125"/>
-              </a:spcBef>
-              <a:buClr>
-                <a:srgbClr val="C00000"/>
-              </a:buClr>
-              <a:buSzPts val="2100"/>
-              <a:buFont typeface="Arial"/>
-              <a:buAutoNum type="arabicPeriod"/>
-            </a:pPr>
-            <a:r>
-              <a:rPr lang="en-US" sz="3600" dirty="0">
-                <a:solidFill>
-                  <a:srgbClr val="C00000"/>
-                </a:solidFill>
-                <a:latin typeface="Pragmatica" panose="020B0403040502020204"/>
-                <a:sym typeface="Consolas"/>
-              </a:rPr>
-              <a:t>Creating a script with Record Actions</a:t>
-            </a:r>
-          </a:p>
-          <a:p>
-            <a:pPr marL="685800" indent="-542925">
-              <a:lnSpc>
-                <a:spcPct val="115000"/>
-              </a:lnSpc>
-              <a:spcBef>
-                <a:spcPts val="1125"/>
-              </a:spcBef>
-              <a:buClr>
-                <a:srgbClr val="C00000"/>
-              </a:buClr>
-              <a:buSzPts val="2100"/>
-              <a:buFont typeface="Arial"/>
-              <a:buAutoNum type="arabicPeriod"/>
-            </a:pPr>
-            <a:r>
-              <a:rPr lang="en-US" sz="3600" dirty="0">
-                <a:solidFill>
-                  <a:srgbClr val="C00000"/>
-                </a:solidFill>
-                <a:latin typeface="Pragmatica" panose="020B0403040502020204"/>
-                <a:sym typeface="Consolas"/>
-              </a:rPr>
-              <a:t>Advantages and disadvantages of Record Actions</a:t>
-            </a:r>
-          </a:p>
-          <a:p>
-            <a:pPr marL="142875">
-              <a:lnSpc>
-                <a:spcPct val="115000"/>
-              </a:lnSpc>
-              <a:spcBef>
-                <a:spcPts val="1125"/>
-              </a:spcBef>
-              <a:buClr>
-                <a:srgbClr val="C00000"/>
-              </a:buClr>
-              <a:buSzPts val="2100"/>
-            </a:pPr>
-            <a:r>
-              <a:rPr lang="en-US" sz="3600" dirty="0">
-                <a:solidFill>
-                  <a:srgbClr val="C00000"/>
-                </a:solidFill>
-                <a:latin typeface="Pragmatica" panose="020B0403040502020204"/>
-                <a:sym typeface="Consolas"/>
-              </a:rPr>
-              <a:t>File: </a:t>
-            </a:r>
-            <a:r>
-              <a:rPr lang="en-US" sz="3600" dirty="0">
-                <a:solidFill>
-                  <a:srgbClr val="C00000"/>
-                </a:solidFill>
-                <a:latin typeface="Consolas" panose="020B0609020204030204" pitchFamily="49" charset="0"/>
-                <a:sym typeface="Consolas"/>
-              </a:rPr>
-              <a:t>record-actions.xlsx</a:t>
-            </a:r>
-          </a:p>
-          <a:p>
-            <a:pPr marL="142875">
-              <a:lnSpc>
-                <a:spcPct val="115000"/>
-              </a:lnSpc>
-              <a:spcBef>
-                <a:spcPts val="1125"/>
-              </a:spcBef>
-              <a:buClr>
-                <a:srgbClr val="C00000"/>
-              </a:buClr>
-              <a:buSzPts val="2100"/>
-            </a:pPr>
-            <a:r>
-              <a:rPr lang="en-US" sz="3600" dirty="0">
-                <a:solidFill>
-                  <a:srgbClr val="C00000"/>
-                </a:solidFill>
-                <a:latin typeface="Pragmatica" panose="020B0403040502020204"/>
-                <a:sym typeface="Consolas"/>
-              </a:rPr>
-              <a:t>Resource: </a:t>
-            </a:r>
-            <a:r>
-              <a:rPr lang="en-US" sz="3600" dirty="0">
-                <a:solidFill>
-                  <a:srgbClr val="CF3338"/>
-                </a:solidFill>
-                <a:latin typeface="Pragmatica" panose="020B0403040502020204"/>
-                <a:sym typeface="Consolas"/>
-                <a:hlinkClick r:id="rId4">
-                  <a:extLst>
-                    <a:ext uri="{A12FA001-AC4F-418D-AE19-62706E023703}">
-                      <ahyp:hlinkClr xmlns:ahyp="http://schemas.microsoft.com/office/drawing/2018/hyperlinkcolor" val="tx"/>
-                    </a:ext>
-                  </a:extLst>
-                </a:hlinkClick>
-              </a:rPr>
-              <a:t>https://stringfestanalytics.com/how-to-understand-record-actions-in-office-scripts-for-excel/</a:t>
-            </a:r>
-            <a:r>
-              <a:rPr lang="en-US" sz="3600" dirty="0">
-                <a:solidFill>
-                  <a:srgbClr val="CF3338"/>
-                </a:solidFill>
-                <a:latin typeface="Pragmatica" panose="020B0403040502020204"/>
-                <a:sym typeface="Consolas"/>
-              </a:rPr>
-              <a:t> </a:t>
-            </a:r>
-            <a:endParaRPr lang="en-US" sz="6000" dirty="0">
-              <a:solidFill>
-                <a:srgbClr val="CF3338"/>
-              </a:solidFill>
-              <a:latin typeface="Pragmatica" panose="020B0403040502020204"/>
-            </a:endParaRPr>
-          </a:p>
-          <a:p>
-            <a:endParaRPr lang="en-US" sz="6000" dirty="0">
-              <a:solidFill>
-                <a:srgbClr val="CF3338"/>
-              </a:solidFill>
-              <a:latin typeface="Pragmatica" panose="020B0403040502020204" pitchFamily="34" charset="0"/>
-            </a:endParaRPr>
-          </a:p>
-        </p:txBody>
-      </p:sp>
-    </p:spTree>
-    <p:extLst>
-      <p:ext uri="{BB962C8B-B14F-4D97-AF65-F5344CB8AC3E}">
-        <p14:creationId xmlns:p14="http://schemas.microsoft.com/office/powerpoint/2010/main" val="3880323540"/>
-      </p:ext>
-    </p:extLst>
-  </p:cSld>
-  <p:clrMapOvr>
-    <a:masterClrMapping/>
-  </p:clrMapOvr>
-</p:sld>
-</file>
-
-<file path=ppt/slides/slide23.xml><?xml version="1.0" encoding="utf-8"?>
-<p:sld xmlns:a="http://schemas.openxmlformats.org/drawingml/2006/main" xmlns:r="http://schemas.openxmlformats.org/officeDocument/2006/relationships" xmlns:p="http://schemas.openxmlformats.org/presentationml/2006/main">
-  <p:cSld>
-    <p:spTree>
-      <p:nvGrpSpPr>
-        <p:cNvPr id="1" name="">
-          <a:extLst>
-            <a:ext uri="{FF2B5EF4-FFF2-40B4-BE49-F238E27FC236}">
-              <a16:creationId xmlns:a16="http://schemas.microsoft.com/office/drawing/2014/main" id="{1D25F94E-B737-3C61-BA4F-9D057FD7098A}"/>
-            </a:ext>
-          </a:extLst>
-        </p:cNvPr>
-        <p:cNvGrpSpPr/>
-        <p:nvPr/>
-      </p:nvGrpSpPr>
-      <p:grpSpPr>
-        <a:xfrm>
-          <a:off x="0" y="0"/>
-          <a:ext cx="0" cy="0"/>
-          <a:chOff x="0" y="0"/>
-          <a:chExt cx="0" cy="0"/>
-        </a:xfrm>
-      </p:grpSpPr>
-      <p:sp>
-        <p:nvSpPr>
-          <p:cNvPr id="4" name="Rectangle 3">
-            <a:extLst>
-              <a:ext uri="{FF2B5EF4-FFF2-40B4-BE49-F238E27FC236}">
-                <a16:creationId xmlns:a16="http://schemas.microsoft.com/office/drawing/2014/main" id="{D8DEC930-FC4C-8A29-168D-C325A21F4F60}"/>
-              </a:ext>
-            </a:extLst>
-          </p:cNvPr>
-          <p:cNvSpPr/>
-          <p:nvPr/>
-        </p:nvSpPr>
-        <p:spPr>
-          <a:xfrm>
-            <a:off x="9861630" y="0"/>
-            <a:ext cx="8426370" cy="10287000"/>
-          </a:xfrm>
-          <a:prstGeom prst="rect">
-            <a:avLst/>
-          </a:prstGeom>
-          <a:solidFill>
-            <a:srgbClr val="CF3338"/>
-          </a:solidFill>
-          <a:ln>
-            <a:noFill/>
-          </a:ln>
-        </p:spPr>
-        <p:style>
-          <a:lnRef idx="2">
-            <a:schemeClr val="accent1">
-              <a:shade val="50000"/>
-            </a:schemeClr>
-          </a:lnRef>
-          <a:fillRef idx="1">
-            <a:schemeClr val="accent1"/>
-          </a:fillRef>
-          <a:effectRef idx="0">
-            <a:schemeClr val="accent1"/>
-          </a:effectRef>
-          <a:fontRef idx="minor">
-            <a:schemeClr val="lt1"/>
-          </a:fontRef>
-        </p:style>
-        <p:txBody>
-          <a:bodyPr rtlCol="0" anchor="ctr"/>
-          <a:lstStyle/>
-          <a:p>
-            <a:pPr algn="ctr"/>
-            <a:endParaRPr lang="en-US" sz="2700"/>
-          </a:p>
-        </p:txBody>
-      </p:sp>
-      <p:pic>
-        <p:nvPicPr>
-          <p:cNvPr id="2" name="Picture 1">
-            <a:extLst>
-              <a:ext uri="{FF2B5EF4-FFF2-40B4-BE49-F238E27FC236}">
-                <a16:creationId xmlns:a16="http://schemas.microsoft.com/office/drawing/2014/main" id="{7311EDB7-48B5-AAFD-E6AB-234AE58A63A9}"/>
-              </a:ext>
-            </a:extLst>
-          </p:cNvPr>
-          <p:cNvPicPr>
-            <a:picLocks noChangeAspect="1"/>
-          </p:cNvPicPr>
-          <p:nvPr/>
-        </p:nvPicPr>
-        <p:blipFill rotWithShape="1">
-          <a:blip r:embed="rId3">
-            <a:extLst>
-              <a:ext uri="{28A0092B-C50C-407E-A947-70E740481C1C}">
-                <a14:useLocalDpi xmlns:a14="http://schemas.microsoft.com/office/drawing/2010/main" val="0"/>
-              </a:ext>
-            </a:extLst>
-          </a:blip>
-          <a:srcRect l="69227" t="33418" r="20112" b="50548"/>
-          <a:stretch/>
-        </p:blipFill>
-        <p:spPr>
-          <a:xfrm>
-            <a:off x="15579524" y="7544693"/>
-            <a:ext cx="2708477" cy="2987579"/>
-          </a:xfrm>
-          <a:prstGeom prst="rect">
-            <a:avLst/>
-          </a:prstGeom>
-        </p:spPr>
-      </p:pic>
-      <p:sp>
-        <p:nvSpPr>
-          <p:cNvPr id="3" name="TextBox 2">
-            <a:extLst>
-              <a:ext uri="{FF2B5EF4-FFF2-40B4-BE49-F238E27FC236}">
-                <a16:creationId xmlns:a16="http://schemas.microsoft.com/office/drawing/2014/main" id="{DB192770-3A95-249E-8FE8-48F859721D9F}"/>
-              </a:ext>
-            </a:extLst>
-          </p:cNvPr>
-          <p:cNvSpPr txBox="1"/>
-          <p:nvPr/>
-        </p:nvSpPr>
-        <p:spPr>
-          <a:xfrm>
-            <a:off x="260431" y="329879"/>
-            <a:ext cx="8906720" cy="8987140"/>
-          </a:xfrm>
-          <a:prstGeom prst="rect">
-            <a:avLst/>
-          </a:prstGeom>
-          <a:noFill/>
-        </p:spPr>
-        <p:txBody>
-          <a:bodyPr wrap="square" rtlCol="0">
-            <a:spAutoFit/>
-          </a:bodyPr>
-          <a:lstStyle/>
-          <a:p>
-            <a:r>
-              <a:rPr lang="en-US" sz="6000" b="1" dirty="0">
-                <a:solidFill>
-                  <a:srgbClr val="CF3338"/>
-                </a:solidFill>
-                <a:latin typeface="Pragmatica" panose="020B0403040502020204" pitchFamily="34" charset="0"/>
-              </a:rPr>
-              <a:t>function main() in Office Scripts</a:t>
-            </a:r>
-          </a:p>
-          <a:p>
-            <a:endParaRPr lang="en-US" sz="4200" dirty="0">
-              <a:solidFill>
-                <a:srgbClr val="CF3338"/>
-              </a:solidFill>
-              <a:latin typeface="Pragmatica" panose="020B0403040502020204" pitchFamily="34" charset="0"/>
-            </a:endParaRPr>
-          </a:p>
-          <a:p>
-            <a:pPr marL="685800" indent="-542925">
-              <a:lnSpc>
-                <a:spcPct val="115000"/>
-              </a:lnSpc>
-              <a:spcBef>
-                <a:spcPts val="1125"/>
-              </a:spcBef>
-              <a:buClr>
-                <a:srgbClr val="C00000"/>
-              </a:buClr>
-              <a:buSzPts val="2100"/>
-              <a:buFont typeface="Arial"/>
-              <a:buAutoNum type="arabicPeriod"/>
-            </a:pPr>
-            <a:r>
-              <a:rPr lang="en-US" sz="3600" dirty="0">
-                <a:solidFill>
-                  <a:srgbClr val="C00000"/>
-                </a:solidFill>
-                <a:latin typeface="Pragmatica" panose="020B0403040502020204"/>
-                <a:sym typeface="Consolas"/>
-              </a:rPr>
-              <a:t>function main() as the heart of Office Scripts</a:t>
-            </a:r>
-          </a:p>
-          <a:p>
-            <a:pPr marL="685800" indent="-542925">
-              <a:lnSpc>
-                <a:spcPct val="115000"/>
-              </a:lnSpc>
-              <a:spcBef>
-                <a:spcPts val="1125"/>
-              </a:spcBef>
-              <a:buClr>
-                <a:srgbClr val="C00000"/>
-              </a:buClr>
-              <a:buSzPts val="2100"/>
-              <a:buFont typeface="Arial"/>
-              <a:buAutoNum type="arabicPeriod"/>
-            </a:pPr>
-            <a:r>
-              <a:rPr lang="en-US" sz="3600" dirty="0">
-                <a:solidFill>
-                  <a:srgbClr val="C00000"/>
-                </a:solidFill>
-                <a:latin typeface="Pragmatica" panose="020B0403040502020204"/>
-                <a:sym typeface="Consolas"/>
-              </a:rPr>
-              <a:t>‘Hello, world!’ in Office Scripts</a:t>
-            </a:r>
-          </a:p>
-          <a:p>
-            <a:pPr marL="685800" indent="-542925">
-              <a:lnSpc>
-                <a:spcPct val="115000"/>
-              </a:lnSpc>
-              <a:spcBef>
-                <a:spcPts val="1125"/>
-              </a:spcBef>
-              <a:buClr>
-                <a:srgbClr val="C00000"/>
-              </a:buClr>
-              <a:buSzPts val="2100"/>
-              <a:buFont typeface="Arial"/>
-              <a:buAutoNum type="arabicPeriod"/>
-            </a:pPr>
-            <a:r>
-              <a:rPr lang="en-US" sz="3600" dirty="0">
-                <a:solidFill>
-                  <a:srgbClr val="C00000"/>
-                </a:solidFill>
-                <a:latin typeface="Pragmatica" panose="020B0403040502020204"/>
-                <a:sym typeface="Consolas"/>
-              </a:rPr>
-              <a:t>Customizing function main()’s parameters</a:t>
-            </a:r>
-          </a:p>
-          <a:p>
-            <a:pPr marL="142875">
-              <a:lnSpc>
-                <a:spcPct val="115000"/>
-              </a:lnSpc>
-              <a:spcBef>
-                <a:spcPts val="1125"/>
-              </a:spcBef>
-              <a:buClr>
-                <a:srgbClr val="C00000"/>
-              </a:buClr>
-              <a:buSzPts val="2100"/>
-            </a:pPr>
-            <a:r>
-              <a:rPr lang="en-US" sz="3600" dirty="0">
-                <a:solidFill>
-                  <a:srgbClr val="C00000"/>
-                </a:solidFill>
-                <a:latin typeface="Pragmatica" panose="020B0403040502020204"/>
-                <a:sym typeface="Consolas"/>
-              </a:rPr>
-              <a:t>File: Open a blank workbook to proceed</a:t>
-            </a:r>
-          </a:p>
-          <a:p>
-            <a:pPr marL="142875">
-              <a:lnSpc>
-                <a:spcPct val="115000"/>
-              </a:lnSpc>
-              <a:spcBef>
-                <a:spcPts val="1125"/>
-              </a:spcBef>
-              <a:buClr>
-                <a:srgbClr val="C00000"/>
-              </a:buClr>
-              <a:buSzPts val="2100"/>
-            </a:pPr>
-            <a:r>
-              <a:rPr lang="en-US" sz="3600" dirty="0">
-                <a:solidFill>
-                  <a:srgbClr val="CF3338"/>
-                </a:solidFill>
-                <a:latin typeface="Pragmatica" panose="020B0403040502020204"/>
-                <a:sym typeface="Consolas"/>
-              </a:rPr>
-              <a:t>Resource: </a:t>
-            </a:r>
-            <a:r>
-              <a:rPr lang="en-US" sz="3600" dirty="0">
-                <a:solidFill>
-                  <a:srgbClr val="CF3338"/>
-                </a:solidFill>
-                <a:latin typeface="Pragmatica" panose="020B0403040502020204"/>
-                <a:sym typeface="Consolas"/>
-                <a:hlinkClick r:id="rId4">
-                  <a:extLst>
-                    <a:ext uri="{A12FA001-AC4F-418D-AE19-62706E023703}">
-                      <ahyp:hlinkClr xmlns:ahyp="http://schemas.microsoft.com/office/drawing/2018/hyperlinkcolor" val="tx"/>
-                    </a:ext>
-                  </a:extLst>
-                </a:hlinkClick>
-              </a:rPr>
-              <a:t>https://stringfestanalytics.com/how-to-understand-function-main-in-office-scripts-for-excel/</a:t>
-            </a:r>
-            <a:r>
-              <a:rPr lang="en-US" sz="3600" dirty="0">
-                <a:solidFill>
-                  <a:srgbClr val="CF3338"/>
-                </a:solidFill>
-                <a:latin typeface="Pragmatica" panose="020B0403040502020204"/>
-                <a:sym typeface="Consolas"/>
-              </a:rPr>
-              <a:t> </a:t>
-            </a:r>
-          </a:p>
-        </p:txBody>
-      </p:sp>
-    </p:spTree>
-    <p:extLst>
-      <p:ext uri="{BB962C8B-B14F-4D97-AF65-F5344CB8AC3E}">
-        <p14:creationId xmlns:p14="http://schemas.microsoft.com/office/powerpoint/2010/main" val="2240521263"/>
-      </p:ext>
-    </p:extLst>
-  </p:cSld>
-  <p:clrMapOvr>
-    <a:masterClrMapping/>
-  </p:clrMapOvr>
-</p:sld>
-</file>
-
-<file path=ppt/slides/slide24.xml><?xml version="1.0" encoding="utf-8"?>
-<p:sld xmlns:a="http://schemas.openxmlformats.org/drawingml/2006/main" xmlns:r="http://schemas.openxmlformats.org/officeDocument/2006/relationships" xmlns:p="http://schemas.openxmlformats.org/presentationml/2006/main">
-  <p:cSld>
-    <p:spTree>
-      <p:nvGrpSpPr>
-        <p:cNvPr id="1" name="">
-          <a:extLst>
-            <a:ext uri="{FF2B5EF4-FFF2-40B4-BE49-F238E27FC236}">
-              <a16:creationId xmlns:a16="http://schemas.microsoft.com/office/drawing/2014/main" id="{5D488E77-04E4-08C7-1031-1F498D077B51}"/>
-            </a:ext>
-          </a:extLst>
-        </p:cNvPr>
-        <p:cNvGrpSpPr/>
-        <p:nvPr/>
-      </p:nvGrpSpPr>
-      <p:grpSpPr>
-        <a:xfrm>
-          <a:off x="0" y="0"/>
-          <a:ext cx="0" cy="0"/>
-          <a:chOff x="0" y="0"/>
-          <a:chExt cx="0" cy="0"/>
-        </a:xfrm>
-      </p:grpSpPr>
-      <p:sp>
-        <p:nvSpPr>
-          <p:cNvPr id="4" name="Rectangle 3">
-            <a:extLst>
-              <a:ext uri="{FF2B5EF4-FFF2-40B4-BE49-F238E27FC236}">
-                <a16:creationId xmlns:a16="http://schemas.microsoft.com/office/drawing/2014/main" id="{E5ABA32D-D202-8170-BD82-0F9E54BD20DE}"/>
-              </a:ext>
-            </a:extLst>
-          </p:cNvPr>
-          <p:cNvSpPr/>
-          <p:nvPr/>
-        </p:nvSpPr>
-        <p:spPr>
-          <a:xfrm>
-            <a:off x="9861630" y="0"/>
-            <a:ext cx="8426370" cy="10287000"/>
-          </a:xfrm>
-          <a:prstGeom prst="rect">
-            <a:avLst/>
-          </a:prstGeom>
-          <a:solidFill>
-            <a:srgbClr val="CF3338"/>
-          </a:solidFill>
-          <a:ln>
-            <a:noFill/>
-          </a:ln>
-        </p:spPr>
-        <p:style>
-          <a:lnRef idx="2">
-            <a:schemeClr val="accent1">
-              <a:shade val="50000"/>
-            </a:schemeClr>
-          </a:lnRef>
-          <a:fillRef idx="1">
-            <a:schemeClr val="accent1"/>
-          </a:fillRef>
-          <a:effectRef idx="0">
-            <a:schemeClr val="accent1"/>
-          </a:effectRef>
-          <a:fontRef idx="minor">
-            <a:schemeClr val="lt1"/>
-          </a:fontRef>
-        </p:style>
-        <p:txBody>
-          <a:bodyPr rtlCol="0" anchor="ctr"/>
-          <a:lstStyle/>
-          <a:p>
-            <a:pPr algn="ctr"/>
-            <a:endParaRPr lang="en-US" sz="2700"/>
-          </a:p>
-        </p:txBody>
-      </p:sp>
-      <p:pic>
-        <p:nvPicPr>
-          <p:cNvPr id="2" name="Picture 1">
-            <a:extLst>
-              <a:ext uri="{FF2B5EF4-FFF2-40B4-BE49-F238E27FC236}">
-                <a16:creationId xmlns:a16="http://schemas.microsoft.com/office/drawing/2014/main" id="{EBD18E09-E000-229F-A637-05EF0B5D1162}"/>
-              </a:ext>
-            </a:extLst>
-          </p:cNvPr>
-          <p:cNvPicPr>
-            <a:picLocks noChangeAspect="1"/>
-          </p:cNvPicPr>
-          <p:nvPr/>
-        </p:nvPicPr>
-        <p:blipFill rotWithShape="1">
-          <a:blip r:embed="rId3">
-            <a:extLst>
-              <a:ext uri="{28A0092B-C50C-407E-A947-70E740481C1C}">
-                <a14:useLocalDpi xmlns:a14="http://schemas.microsoft.com/office/drawing/2010/main" val="0"/>
-              </a:ext>
-            </a:extLst>
-          </a:blip>
-          <a:srcRect l="69227" t="33418" r="20112" b="50548"/>
-          <a:stretch/>
-        </p:blipFill>
-        <p:spPr>
-          <a:xfrm>
-            <a:off x="15579524" y="7544693"/>
-            <a:ext cx="2708477" cy="2987579"/>
-          </a:xfrm>
-          <a:prstGeom prst="rect">
-            <a:avLst/>
-          </a:prstGeom>
-        </p:spPr>
-      </p:pic>
-      <p:sp>
-        <p:nvSpPr>
-          <p:cNvPr id="3" name="TextBox 2">
-            <a:extLst>
-              <a:ext uri="{FF2B5EF4-FFF2-40B4-BE49-F238E27FC236}">
-                <a16:creationId xmlns:a16="http://schemas.microsoft.com/office/drawing/2014/main" id="{8EFCBB0D-A4EB-2FCE-A90E-3128C6AA641C}"/>
-              </a:ext>
-            </a:extLst>
-          </p:cNvPr>
-          <p:cNvSpPr txBox="1"/>
-          <p:nvPr/>
-        </p:nvSpPr>
-        <p:spPr>
-          <a:xfrm>
-            <a:off x="260431" y="329879"/>
-            <a:ext cx="8906720" cy="5200911"/>
-          </a:xfrm>
-          <a:prstGeom prst="rect">
-            <a:avLst/>
-          </a:prstGeom>
-          <a:noFill/>
-        </p:spPr>
-        <p:txBody>
-          <a:bodyPr wrap="square" rtlCol="0">
-            <a:spAutoFit/>
-          </a:bodyPr>
-          <a:lstStyle/>
-          <a:p>
-            <a:r>
-              <a:rPr lang="en-US" sz="6000" b="1" dirty="0">
-                <a:solidFill>
-                  <a:srgbClr val="CF3338"/>
-                </a:solidFill>
-                <a:latin typeface="Pragmatica" panose="020B0403040502020204" pitchFamily="34" charset="0"/>
-              </a:rPr>
-              <a:t>Resource: stringfestanalytics.com</a:t>
-            </a:r>
-          </a:p>
-          <a:p>
-            <a:endParaRPr lang="en-US" sz="6000" b="1" dirty="0">
-              <a:solidFill>
-                <a:srgbClr val="CF3338"/>
-              </a:solidFill>
-              <a:latin typeface="Pragmatica" panose="020B0403040502020204" pitchFamily="34" charset="0"/>
-            </a:endParaRPr>
-          </a:p>
-          <a:p>
-            <a:pPr marL="714375" indent="-571500">
-              <a:lnSpc>
-                <a:spcPct val="115000"/>
-              </a:lnSpc>
-              <a:spcBef>
-                <a:spcPts val="1125"/>
-              </a:spcBef>
-              <a:buClr>
-                <a:srgbClr val="C00000"/>
-              </a:buClr>
-              <a:buSzPts val="2100"/>
-              <a:buFont typeface="Arial" panose="020B0604020202020204" pitchFamily="34" charset="0"/>
-              <a:buChar char="•"/>
-            </a:pPr>
-            <a:r>
-              <a:rPr lang="en-US" sz="3600" dirty="0">
-                <a:solidFill>
-                  <a:srgbClr val="C00000"/>
-                </a:solidFill>
-                <a:latin typeface="Pragmatica" panose="020B0403040502020204"/>
-                <a:sym typeface="Consolas"/>
-              </a:rPr>
-              <a:t>Subscribe for updates &amp; access to my data analytics learning resource library</a:t>
-            </a:r>
-          </a:p>
-          <a:p>
-            <a:endParaRPr lang="en-US" sz="6000" dirty="0">
-              <a:solidFill>
-                <a:srgbClr val="CF3338"/>
-              </a:solidFill>
-              <a:latin typeface="Pragmatica" panose="020B0403040502020204" pitchFamily="34" charset="0"/>
-            </a:endParaRPr>
-          </a:p>
-        </p:txBody>
-      </p:sp>
-    </p:spTree>
-    <p:extLst>
-      <p:ext uri="{BB962C8B-B14F-4D97-AF65-F5344CB8AC3E}">
-        <p14:creationId xmlns:p14="http://schemas.microsoft.com/office/powerpoint/2010/main" val="1994395854"/>
-      </p:ext>
-    </p:extLst>
-  </p:cSld>
-  <p:clrMapOvr>
-    <a:masterClrMapping/>
-  </p:clrMapOvr>
-</p:sld>
-</file>
-
-<file path=ppt/slides/slide25.xml><?xml version="1.0" encoding="utf-8"?>
-<p:sld xmlns:a="http://schemas.openxmlformats.org/drawingml/2006/main" xmlns:r="http://schemas.openxmlformats.org/officeDocument/2006/relationships" xmlns:p="http://schemas.openxmlformats.org/presentationml/2006/main">
-  <p:cSld>
-    <p:spTree>
-      <p:nvGrpSpPr>
-        <p:cNvPr id="1" name="">
-          <a:extLst>
-            <a:ext uri="{FF2B5EF4-FFF2-40B4-BE49-F238E27FC236}">
-              <a16:creationId xmlns:a16="http://schemas.microsoft.com/office/drawing/2014/main" id="{813E0308-A988-5B2F-745F-7798090692A9}"/>
-            </a:ext>
-          </a:extLst>
-        </p:cNvPr>
-        <p:cNvGrpSpPr/>
-        <p:nvPr/>
-      </p:nvGrpSpPr>
-      <p:grpSpPr>
-        <a:xfrm>
-          <a:off x="0" y="0"/>
-          <a:ext cx="0" cy="0"/>
-          <a:chOff x="0" y="0"/>
-          <a:chExt cx="0" cy="0"/>
-        </a:xfrm>
-      </p:grpSpPr>
-      <p:sp>
-        <p:nvSpPr>
-          <p:cNvPr id="4" name="Rectangle 3">
-            <a:extLst>
-              <a:ext uri="{FF2B5EF4-FFF2-40B4-BE49-F238E27FC236}">
-                <a16:creationId xmlns:a16="http://schemas.microsoft.com/office/drawing/2014/main" id="{609E5FDC-46D9-36A3-F755-5479309F8DB5}"/>
-              </a:ext>
-            </a:extLst>
-          </p:cNvPr>
-          <p:cNvSpPr/>
-          <p:nvPr/>
-        </p:nvSpPr>
-        <p:spPr>
-          <a:xfrm>
-            <a:off x="12954000" y="0"/>
-            <a:ext cx="5334000" cy="10287000"/>
-          </a:xfrm>
-          <a:prstGeom prst="rect">
-            <a:avLst/>
-          </a:prstGeom>
-          <a:solidFill>
-            <a:srgbClr val="CF3338"/>
-          </a:solidFill>
-          <a:ln>
-            <a:noFill/>
-          </a:ln>
-        </p:spPr>
-        <p:style>
-          <a:lnRef idx="2">
-            <a:schemeClr val="accent1">
-              <a:shade val="50000"/>
-            </a:schemeClr>
-          </a:lnRef>
-          <a:fillRef idx="1">
-            <a:schemeClr val="accent1"/>
-          </a:fillRef>
-          <a:effectRef idx="0">
-            <a:schemeClr val="accent1"/>
-          </a:effectRef>
-          <a:fontRef idx="minor">
-            <a:schemeClr val="lt1"/>
-          </a:fontRef>
-        </p:style>
-        <p:txBody>
-          <a:bodyPr rtlCol="0" anchor="ctr"/>
-          <a:lstStyle/>
-          <a:p>
-            <a:pPr algn="ctr"/>
-            <a:endParaRPr lang="en-US" sz="2700"/>
-          </a:p>
-        </p:txBody>
-      </p:sp>
-      <p:pic>
-        <p:nvPicPr>
-          <p:cNvPr id="2" name="Picture 1">
-            <a:extLst>
-              <a:ext uri="{FF2B5EF4-FFF2-40B4-BE49-F238E27FC236}">
-                <a16:creationId xmlns:a16="http://schemas.microsoft.com/office/drawing/2014/main" id="{75AEBE06-37BD-F556-8EE3-6C7B58AC4666}"/>
-              </a:ext>
-            </a:extLst>
-          </p:cNvPr>
-          <p:cNvPicPr>
-            <a:picLocks noChangeAspect="1"/>
-          </p:cNvPicPr>
-          <p:nvPr/>
-        </p:nvPicPr>
-        <p:blipFill rotWithShape="1">
-          <a:blip r:embed="rId3">
-            <a:extLst>
-              <a:ext uri="{28A0092B-C50C-407E-A947-70E740481C1C}">
-                <a14:useLocalDpi xmlns:a14="http://schemas.microsoft.com/office/drawing/2010/main" val="0"/>
-              </a:ext>
-            </a:extLst>
-          </a:blip>
-          <a:srcRect l="69227" t="33418" r="20112" b="50548"/>
-          <a:stretch/>
-        </p:blipFill>
-        <p:spPr>
-          <a:xfrm>
-            <a:off x="15579524" y="7544693"/>
-            <a:ext cx="2708477" cy="2987579"/>
-          </a:xfrm>
-          <a:prstGeom prst="rect">
-            <a:avLst/>
-          </a:prstGeom>
-        </p:spPr>
-      </p:pic>
-      <p:sp>
-        <p:nvSpPr>
-          <p:cNvPr id="3" name="TextBox 2">
-            <a:extLst>
-              <a:ext uri="{FF2B5EF4-FFF2-40B4-BE49-F238E27FC236}">
-                <a16:creationId xmlns:a16="http://schemas.microsoft.com/office/drawing/2014/main" id="{DEDED8E3-EB0A-38EF-7F97-D7875122C9BD}"/>
-              </a:ext>
-            </a:extLst>
-          </p:cNvPr>
-          <p:cNvSpPr txBox="1"/>
-          <p:nvPr/>
-        </p:nvSpPr>
-        <p:spPr>
-          <a:xfrm>
-            <a:off x="260430" y="329879"/>
-            <a:ext cx="12464969" cy="9255226"/>
-          </a:xfrm>
-          <a:prstGeom prst="rect">
-            <a:avLst/>
-          </a:prstGeom>
-          <a:noFill/>
-        </p:spPr>
-        <p:txBody>
-          <a:bodyPr wrap="square" rtlCol="0">
-            <a:spAutoFit/>
-          </a:bodyPr>
-          <a:lstStyle/>
-          <a:p>
-            <a:r>
-              <a:rPr lang="en-US" sz="6000" b="1" dirty="0">
-                <a:solidFill>
-                  <a:srgbClr val="CF3338"/>
-                </a:solidFill>
-                <a:latin typeface="Pragmatica" panose="020B0403040502020204" pitchFamily="34" charset="0"/>
-              </a:rPr>
-              <a:t>Exercises</a:t>
-            </a:r>
-          </a:p>
-          <a:p>
-            <a:pPr marL="142875">
-              <a:lnSpc>
-                <a:spcPct val="115000"/>
-              </a:lnSpc>
-              <a:spcBef>
-                <a:spcPts val="1125"/>
-              </a:spcBef>
-              <a:buClr>
-                <a:srgbClr val="C00000"/>
-              </a:buClr>
-              <a:buSzPts val="2100"/>
-            </a:pPr>
-            <a:r>
-              <a:rPr lang="en-US" sz="3600" dirty="0">
-                <a:solidFill>
-                  <a:srgbClr val="C00000"/>
-                </a:solidFill>
-                <a:latin typeface="Pragmatica" panose="020B0403040502020204"/>
-                <a:sym typeface="Consolas"/>
-              </a:rPr>
-              <a:t>Use Record Actions to:</a:t>
-            </a:r>
-          </a:p>
-          <a:p>
-            <a:pPr marL="714375" indent="-571500">
-              <a:lnSpc>
-                <a:spcPct val="115000"/>
-              </a:lnSpc>
-              <a:spcBef>
-                <a:spcPts val="1125"/>
-              </a:spcBef>
-              <a:buClr>
-                <a:srgbClr val="C00000"/>
-              </a:buClr>
-              <a:buSzPts val="2100"/>
-              <a:buFont typeface="Arial" panose="020B0604020202020204" pitchFamily="34" charset="0"/>
-              <a:buChar char="•"/>
-            </a:pPr>
-            <a:r>
-              <a:rPr lang="en-US" sz="3600" dirty="0">
-                <a:solidFill>
-                  <a:srgbClr val="C00000"/>
-                </a:solidFill>
-                <a:latin typeface="Pragmatica" panose="020B0403040502020204"/>
-                <a:sym typeface="Consolas"/>
-              </a:rPr>
-              <a:t>  Format cells D4-D8 as dates (fixing the serial numbers)</a:t>
-            </a:r>
-          </a:p>
-          <a:p>
-            <a:pPr marL="714375" indent="-571500">
-              <a:lnSpc>
-                <a:spcPct val="115000"/>
-              </a:lnSpc>
-              <a:spcBef>
-                <a:spcPts val="1125"/>
-              </a:spcBef>
-              <a:buClr>
-                <a:srgbClr val="C00000"/>
-              </a:buClr>
-              <a:buSzPts val="2100"/>
-              <a:buFont typeface="Arial" panose="020B0604020202020204" pitchFamily="34" charset="0"/>
-              <a:buChar char="•"/>
-            </a:pPr>
-            <a:r>
-              <a:rPr lang="en-US" sz="3600" dirty="0">
-                <a:solidFill>
-                  <a:srgbClr val="C00000"/>
-                </a:solidFill>
-                <a:latin typeface="Pragmatica" panose="020B0403040502020204"/>
-                <a:sym typeface="Consolas"/>
-              </a:rPr>
-              <a:t>  Sum hours worked in cells C4-C8 and display the total in B1</a:t>
-            </a:r>
-          </a:p>
-          <a:p>
-            <a:pPr marL="714375" indent="-571500">
-              <a:lnSpc>
-                <a:spcPct val="115000"/>
-              </a:lnSpc>
-              <a:spcBef>
-                <a:spcPts val="1125"/>
-              </a:spcBef>
-              <a:buClr>
-                <a:srgbClr val="C00000"/>
-              </a:buClr>
-              <a:buSzPts val="2100"/>
-              <a:buFont typeface="Arial" panose="020B0604020202020204" pitchFamily="34" charset="0"/>
-              <a:buChar char="•"/>
-            </a:pPr>
-            <a:r>
-              <a:rPr lang="en-US" sz="3600" dirty="0">
-                <a:solidFill>
-                  <a:srgbClr val="C00000"/>
-                </a:solidFill>
-                <a:latin typeface="Pragmatica" panose="020B0403040502020204"/>
-                <a:sym typeface="Consolas"/>
-              </a:rPr>
-              <a:t>  Add color to header cells A3-D3</a:t>
-            </a:r>
-          </a:p>
-          <a:p>
-            <a:pPr marL="714375" indent="-571500">
-              <a:lnSpc>
-                <a:spcPct val="115000"/>
-              </a:lnSpc>
-              <a:spcBef>
-                <a:spcPts val="1125"/>
-              </a:spcBef>
-              <a:buClr>
-                <a:srgbClr val="C00000"/>
-              </a:buClr>
-              <a:buSzPts val="2100"/>
-              <a:buFont typeface="Arial" panose="020B0604020202020204" pitchFamily="34" charset="0"/>
-              <a:buChar char="•"/>
-            </a:pPr>
-            <a:endParaRPr lang="en-US" sz="3600" dirty="0">
-              <a:solidFill>
-                <a:srgbClr val="C00000"/>
-              </a:solidFill>
-              <a:latin typeface="Pragmatica" panose="020B0403040502020204"/>
-              <a:sym typeface="Consolas"/>
-            </a:endParaRPr>
-          </a:p>
-          <a:p>
-            <a:pPr marL="142875">
-              <a:lnSpc>
-                <a:spcPct val="115000"/>
-              </a:lnSpc>
-              <a:spcBef>
-                <a:spcPts val="1125"/>
-              </a:spcBef>
-              <a:buClr>
-                <a:srgbClr val="C00000"/>
-              </a:buClr>
-              <a:buSzPts val="2100"/>
-            </a:pPr>
-            <a:r>
-              <a:rPr lang="en-US" sz="3600" dirty="0">
-                <a:solidFill>
-                  <a:srgbClr val="C00000"/>
-                </a:solidFill>
-                <a:latin typeface="Pragmatica" panose="020B0403040502020204"/>
-                <a:sym typeface="Consolas"/>
-              </a:rPr>
-              <a:t>Enhance the script by:</a:t>
-            </a:r>
-          </a:p>
-          <a:p>
-            <a:pPr marL="714375" indent="-571500">
-              <a:lnSpc>
-                <a:spcPct val="115000"/>
-              </a:lnSpc>
-              <a:spcBef>
-                <a:spcPts val="1125"/>
-              </a:spcBef>
-              <a:buClr>
-                <a:srgbClr val="C00000"/>
-              </a:buClr>
-              <a:buSzPts val="2100"/>
-              <a:buFont typeface="Arial" panose="020B0604020202020204" pitchFamily="34" charset="0"/>
-              <a:buChar char="•"/>
-            </a:pPr>
-            <a:r>
-              <a:rPr lang="en-US" sz="3600" dirty="0">
-                <a:solidFill>
-                  <a:srgbClr val="C00000"/>
-                </a:solidFill>
-                <a:latin typeface="Pragmatica" panose="020B0403040502020204"/>
-                <a:sym typeface="Consolas"/>
-              </a:rPr>
-              <a:t>Modifying it to include a user form that asks the user to select the header color</a:t>
-            </a:r>
-          </a:p>
-          <a:p>
-            <a:pPr marL="714375" indent="-571500">
-              <a:lnSpc>
-                <a:spcPct val="115000"/>
-              </a:lnSpc>
-              <a:spcBef>
-                <a:spcPts val="1125"/>
-              </a:spcBef>
-              <a:buClr>
-                <a:srgbClr val="C00000"/>
-              </a:buClr>
-              <a:buSzPts val="2100"/>
-              <a:buFont typeface="Arial" panose="020B0604020202020204" pitchFamily="34" charset="0"/>
-              <a:buChar char="•"/>
-            </a:pPr>
-            <a:r>
-              <a:rPr lang="en-US" sz="3600" dirty="0">
-                <a:solidFill>
-                  <a:srgbClr val="C00000"/>
-                </a:solidFill>
-                <a:latin typeface="Pragmatica" panose="020B0403040502020204"/>
-                <a:sym typeface="Consolas"/>
-              </a:rPr>
-              <a:t>Use a variable in the `main` function to apply the user’s chosen color to the headers</a:t>
-            </a:r>
-          </a:p>
-          <a:p>
-            <a:pPr marL="142875">
-              <a:lnSpc>
-                <a:spcPct val="115000"/>
-              </a:lnSpc>
-              <a:spcBef>
-                <a:spcPts val="1125"/>
-              </a:spcBef>
-              <a:buClr>
-                <a:srgbClr val="C00000"/>
-              </a:buClr>
-              <a:buSzPts val="2100"/>
-            </a:pPr>
-            <a:r>
-              <a:rPr lang="en-US" sz="3600" dirty="0">
-                <a:solidFill>
-                  <a:srgbClr val="C00000"/>
-                </a:solidFill>
-                <a:latin typeface="Pragmatica" panose="020B0403040502020204"/>
-                <a:sym typeface="Consolas"/>
-              </a:rPr>
-              <a:t>File: </a:t>
-            </a:r>
-            <a:r>
-              <a:rPr lang="en-US" sz="3600" dirty="0">
-                <a:solidFill>
-                  <a:srgbClr val="C00000"/>
-                </a:solidFill>
-                <a:latin typeface="Consolas" panose="020B0609020204030204" pitchFamily="49" charset="0"/>
-                <a:sym typeface="Consolas"/>
-              </a:rPr>
-              <a:t>01-challenge.xlsx</a:t>
-            </a:r>
-          </a:p>
-        </p:txBody>
-      </p:sp>
-    </p:spTree>
-    <p:extLst>
-      <p:ext uri="{BB962C8B-B14F-4D97-AF65-F5344CB8AC3E}">
-        <p14:creationId xmlns:p14="http://schemas.microsoft.com/office/powerpoint/2010/main" val="2314594254"/>
-      </p:ext>
-    </p:extLst>
-  </p:cSld>
-  <p:clrMapOvr>
-    <a:masterClrMapping/>
-  </p:clrMapOvr>
-</p:sld>
-</file>
-
-<file path=ppt/slides/slide26.xml><?xml version="1.0" encoding="utf-8"?>
-<p:sld xmlns:a="http://schemas.openxmlformats.org/drawingml/2006/main" xmlns:r="http://schemas.openxmlformats.org/officeDocument/2006/relationships" xmlns:p="http://schemas.openxmlformats.org/presentationml/2006/main">
-  <p:cSld>
-    <p:spTree>
-      <p:nvGrpSpPr>
-        <p:cNvPr id="1" name="">
-          <a:extLst>
-            <a:ext uri="{FF2B5EF4-FFF2-40B4-BE49-F238E27FC236}">
-              <a16:creationId xmlns:a16="http://schemas.microsoft.com/office/drawing/2014/main" id="{58F6F957-60CB-8191-41F3-5D5A5B461E5B}"/>
-            </a:ext>
-          </a:extLst>
-        </p:cNvPr>
-        <p:cNvGrpSpPr/>
-        <p:nvPr/>
-      </p:nvGrpSpPr>
-      <p:grpSpPr>
-        <a:xfrm>
-          <a:off x="0" y="0"/>
-          <a:ext cx="0" cy="0"/>
-          <a:chOff x="0" y="0"/>
-          <a:chExt cx="0" cy="0"/>
-        </a:xfrm>
-      </p:grpSpPr>
-      <p:pic>
-        <p:nvPicPr>
-          <p:cNvPr id="10" name="Picture 9">
-            <a:extLst>
-              <a:ext uri="{FF2B5EF4-FFF2-40B4-BE49-F238E27FC236}">
-                <a16:creationId xmlns:a16="http://schemas.microsoft.com/office/drawing/2014/main" id="{51DFDDDA-45AD-2561-EC7C-E02DF8D8CA48}"/>
-              </a:ext>
-            </a:extLst>
-          </p:cNvPr>
-          <p:cNvPicPr>
-            <a:picLocks noChangeAspect="1"/>
-          </p:cNvPicPr>
-          <p:nvPr/>
-        </p:nvPicPr>
-        <p:blipFill rotWithShape="1">
-          <a:blip r:embed="rId2">
-            <a:extLst>
-              <a:ext uri="{28A0092B-C50C-407E-A947-70E740481C1C}">
-                <a14:useLocalDpi xmlns:a14="http://schemas.microsoft.com/office/drawing/2010/main" val="0"/>
-              </a:ext>
-            </a:extLst>
-          </a:blip>
-          <a:srcRect l="50728" t="56371"/>
-          <a:stretch/>
-        </p:blipFill>
-        <p:spPr>
-          <a:xfrm>
-            <a:off x="12204691" y="3316148"/>
-            <a:ext cx="6083309" cy="6970854"/>
-          </a:xfrm>
-          <a:prstGeom prst="rect">
-            <a:avLst/>
-          </a:prstGeom>
-        </p:spPr>
-      </p:pic>
-      <p:pic>
-        <p:nvPicPr>
-          <p:cNvPr id="4" name="Picture 3">
-            <a:extLst>
-              <a:ext uri="{FF2B5EF4-FFF2-40B4-BE49-F238E27FC236}">
-                <a16:creationId xmlns:a16="http://schemas.microsoft.com/office/drawing/2014/main" id="{BE5C59FB-04F2-3B28-7F17-0F7E0A047192}"/>
-              </a:ext>
-            </a:extLst>
-          </p:cNvPr>
-          <p:cNvPicPr>
-            <a:picLocks noChangeAspect="1"/>
-          </p:cNvPicPr>
-          <p:nvPr/>
-        </p:nvPicPr>
-        <p:blipFill>
-          <a:blip r:embed="rId3">
-            <a:extLst>
-              <a:ext uri="{28A0092B-C50C-407E-A947-70E740481C1C}">
-                <a14:useLocalDpi xmlns:a14="http://schemas.microsoft.com/office/drawing/2010/main" val="0"/>
-              </a:ext>
-            </a:extLst>
-          </a:blip>
-          <a:stretch>
-            <a:fillRect/>
-          </a:stretch>
-        </p:blipFill>
-        <p:spPr>
-          <a:xfrm>
-            <a:off x="-807744" y="-3724155"/>
-            <a:ext cx="15257208" cy="11189825"/>
-          </a:xfrm>
-          <a:prstGeom prst="rect">
-            <a:avLst/>
-          </a:prstGeom>
-        </p:spPr>
-      </p:pic>
-      <p:sp>
-        <p:nvSpPr>
-          <p:cNvPr id="11" name="TextBox 10">
-            <a:extLst>
-              <a:ext uri="{FF2B5EF4-FFF2-40B4-BE49-F238E27FC236}">
-                <a16:creationId xmlns:a16="http://schemas.microsoft.com/office/drawing/2014/main" id="{50257892-F996-E0ED-3EFE-0F0F74E1C653}"/>
-              </a:ext>
-            </a:extLst>
-          </p:cNvPr>
-          <p:cNvSpPr txBox="1"/>
-          <p:nvPr/>
-        </p:nvSpPr>
-        <p:spPr>
-          <a:xfrm>
-            <a:off x="486137" y="2531318"/>
-            <a:ext cx="11979797" cy="923330"/>
-          </a:xfrm>
-          <a:prstGeom prst="rect">
-            <a:avLst/>
-          </a:prstGeom>
-          <a:noFill/>
-        </p:spPr>
-        <p:txBody>
-          <a:bodyPr wrap="square" rtlCol="0">
-            <a:spAutoFit/>
-          </a:bodyPr>
-          <a:lstStyle/>
-          <a:p>
-            <a:r>
-              <a:rPr lang="en-US" sz="5400" b="1" dirty="0">
-                <a:solidFill>
-                  <a:srgbClr val="CF3338"/>
-                </a:solidFill>
-                <a:latin typeface="Pragmatica" panose="020B0403040502020204" pitchFamily="34" charset="0"/>
-              </a:rPr>
-              <a:t>Questions?</a:t>
-            </a:r>
-          </a:p>
-        </p:txBody>
-      </p:sp>
-      <p:pic>
-        <p:nvPicPr>
-          <p:cNvPr id="5" name="Picture 4">
-            <a:extLst>
-              <a:ext uri="{FF2B5EF4-FFF2-40B4-BE49-F238E27FC236}">
-                <a16:creationId xmlns:a16="http://schemas.microsoft.com/office/drawing/2014/main" id="{8AAA72DC-BEC7-C8D0-A47C-E2E5A4FF2478}"/>
-              </a:ext>
-            </a:extLst>
-          </p:cNvPr>
-          <p:cNvPicPr>
-            <a:picLocks noChangeAspect="1"/>
-          </p:cNvPicPr>
-          <p:nvPr/>
-        </p:nvPicPr>
-        <p:blipFill>
-          <a:blip r:embed="rId4">
-            <a:extLst>
-              <a:ext uri="{28A0092B-C50C-407E-A947-70E740481C1C}">
-                <a14:useLocalDpi xmlns:a14="http://schemas.microsoft.com/office/drawing/2010/main" val="0"/>
-              </a:ext>
-            </a:extLst>
-          </a:blip>
-          <a:srcRect/>
-          <a:stretch/>
-        </p:blipFill>
-        <p:spPr>
-          <a:xfrm>
-            <a:off x="12204691" y="3317239"/>
-            <a:ext cx="6083309" cy="6968672"/>
-          </a:xfrm>
-          <a:prstGeom prst="rect">
-            <a:avLst/>
-          </a:prstGeom>
-        </p:spPr>
-      </p:pic>
-    </p:spTree>
-    <p:extLst>
-      <p:ext uri="{BB962C8B-B14F-4D97-AF65-F5344CB8AC3E}">
-        <p14:creationId xmlns:p14="http://schemas.microsoft.com/office/powerpoint/2010/main" val="1653137734"/>
-      </p:ext>
-    </p:extLst>
-  </p:cSld>
-  <p:clrMapOvr>
-    <a:masterClrMapping/>
-  </p:clrMapOvr>
-</p:sld>
-</file>
-
-<file path=ppt/slides/slide27.xml><?xml version="1.0" encoding="utf-8"?>
 <p:sld xmlns:a="http://schemas.openxmlformats.org/drawingml/2006/main" xmlns:r="http://schemas.openxmlformats.org/officeDocument/2006/relationships" xmlns:p="http://schemas.openxmlformats.org/presentationml/2006/main">
   <p:cSld>
     <p:spTree>
@@ -11280,7 +9516,7 @@
         <p:spPr>
           <a:xfrm>
             <a:off x="260431" y="329879"/>
-            <a:ext cx="8906720" cy="6936322"/>
+            <a:ext cx="8906720" cy="7148688"/>
           </a:xfrm>
           <a:prstGeom prst="rect">
             <a:avLst/>
@@ -11341,7 +9577,7 @@
               <a:buAutoNum type="arabicPeriod"/>
             </a:pPr>
             <a:r>
-              <a:rPr lang="en-US" sz="3200" kern="100" dirty="0">
+              <a:rPr lang="en-US" sz="3600" kern="100" dirty="0">
                 <a:solidFill>
                   <a:srgbClr val="CF3338"/>
                 </a:solidFill>
@@ -11368,7 +9604,7 @@
               <a:buAutoNum type="arabicPeriod"/>
             </a:pPr>
             <a:r>
-              <a:rPr lang="en-US" sz="3200" kern="100" dirty="0">
+              <a:rPr lang="en-US" sz="3600" kern="100" dirty="0">
                 <a:solidFill>
                   <a:srgbClr val="CF3338"/>
                 </a:solidFill>
@@ -11378,7 +9614,7 @@
               </a:rPr>
               <a:t>How can we improve appearance of outputs in Excel? </a:t>
             </a:r>
-            <a:endParaRPr lang="en-US" sz="3200" kern="100" dirty="0">
+            <a:endParaRPr lang="en-US" sz="3600" kern="100" dirty="0">
               <a:solidFill>
                 <a:srgbClr val="CF3338"/>
               </a:solidFill>
@@ -11411,7 +9647,7 @@
               </a:rPr>
               <a:t>Resource: https://stringfestanalytics.com/power-automate-for-excel-how-to-understand-the-power-fx-programming-language/</a:t>
             </a:r>
-            <a:endParaRPr lang="en-US" sz="6000" dirty="0">
+            <a:endParaRPr lang="en-US" sz="3600" dirty="0">
               <a:solidFill>
                 <a:srgbClr val="CF3338"/>
               </a:solidFill>
@@ -11604,7 +9840,7 @@
               <a:buAutoNum type="arabicPeriod"/>
             </a:pPr>
             <a:r>
-              <a:rPr lang="en-US" sz="3200" kern="100" dirty="0">
+              <a:rPr lang="en-US" sz="3400" kern="100" dirty="0">
                 <a:solidFill>
                   <a:srgbClr val="CF3338"/>
                 </a:solidFill>
@@ -11631,7 +9867,7 @@
               <a:buAutoNum type="arabicPeriod"/>
             </a:pPr>
             <a:r>
-              <a:rPr lang="en-US" sz="3200" kern="100" dirty="0">
+              <a:rPr lang="en-US" sz="3400" kern="100" dirty="0">
                 <a:solidFill>
                   <a:srgbClr val="CF3338"/>
                 </a:solidFill>
@@ -11641,7 +9877,7 @@
               </a:rPr>
               <a:t>Create a monthly email/post to Teams based on data in a workbook</a:t>
             </a:r>
-            <a:endParaRPr lang="en-US" sz="3200" kern="100" dirty="0">
+            <a:endParaRPr lang="en-US" sz="3400" kern="100" dirty="0">
               <a:solidFill>
                 <a:srgbClr val="CF3338"/>
               </a:solidFill>
@@ -11665,7 +9901,7 @@
               <a:buSzPts val="2100"/>
             </a:pPr>
             <a:r>
-              <a:rPr lang="en-US" sz="3600" dirty="0">
+              <a:rPr lang="en-US" sz="3400" dirty="0">
                 <a:solidFill>
                   <a:srgbClr val="C00000"/>
                 </a:solidFill>
@@ -11675,7 +9911,7 @@
               <a:t>File: </a:t>
             </a:r>
             <a:r>
-              <a:rPr lang="en-US" sz="3600" dirty="0">
+              <a:rPr lang="en-US" sz="3400" dirty="0">
                 <a:solidFill>
                   <a:srgbClr val="C00000"/>
                 </a:solidFill>
@@ -11699,7 +9935,7 @@
               <a:buSzPts val="2100"/>
             </a:pPr>
             <a:r>
-              <a:rPr lang="en-US" sz="3600" dirty="0">
+              <a:rPr lang="en-US" sz="3400" dirty="0">
                 <a:solidFill>
                   <a:srgbClr val="C00000"/>
                 </a:solidFill>
@@ -11708,7 +9944,7 @@
               </a:rPr>
               <a:t>Resource: https://stringfestanalytics.com/power-automate-for-excel-how-to-build-flows-with-copilot/</a:t>
             </a:r>
-            <a:endParaRPr lang="en-US" sz="6000" dirty="0">
+            <a:endParaRPr lang="en-US" sz="3400" dirty="0">
               <a:solidFill>
                 <a:srgbClr val="CF3338"/>
               </a:solidFill>
@@ -12021,7 +10257,7 @@
                 <a:latin typeface="Consolas" panose="020B0609020204030204" pitchFamily="49" charset="0"/>
                 <a:sym typeface="Consolas"/>
               </a:rPr>
-              <a:t>01-exercise.xlsx</a:t>
+              <a:t>first-steps-exercises.xlsx</a:t>
             </a:r>
           </a:p>
         </p:txBody>
